--- a/系统仿真-15-决策规则.pptx
+++ b/系统仿真-15-决策规则.pptx
@@ -22,8 +22,8 @@
     <p:sldId id="287" r:id="rId17"/>
     <p:sldId id="285" r:id="rId18"/>
     <p:sldId id="270" r:id="rId19"/>
-    <p:sldId id="262" r:id="rId20"/>
-    <p:sldId id="268" r:id="rId21"/>
+    <p:sldId id="268" r:id="rId20"/>
+    <p:sldId id="262" r:id="rId21"/>
     <p:sldId id="263" r:id="rId22"/>
     <p:sldId id="274" r:id="rId23"/>
     <p:sldId id="271" r:id="rId24"/>
@@ -1023,6 +1023,115 @@
     <p:extLst>
       <p:ext uri="{BB962C8B-B14F-4D97-AF65-F5344CB8AC3E}">
         <p14:creationId xmlns:p14="http://schemas.microsoft.com/office/powerpoint/2010/main" val="4278134602"/>
+      </p:ext>
+    </p:extLst>
+  </p:cSld>
+  <p:clrMapOvr>
+    <a:masterClrMapping/>
+  </p:clrMapOvr>
+</p:notes>
+</file>
+
+<file path=ppt/notesSlides/notesSlide4.xml><?xml version="1.0" encoding="utf-8"?>
+<p:notes xmlns:a="http://schemas.openxmlformats.org/drawingml/2006/main" xmlns:r="http://schemas.openxmlformats.org/officeDocument/2006/relationships" xmlns:p="http://schemas.openxmlformats.org/presentationml/2006/main">
+  <p:cSld>
+    <p:spTree>
+      <p:nvGrpSpPr>
+        <p:cNvPr id="1" name=""/>
+        <p:cNvGrpSpPr/>
+        <p:nvPr/>
+      </p:nvGrpSpPr>
+      <p:grpSpPr>
+        <a:xfrm>
+          <a:off x="0" y="0"/>
+          <a:ext cx="0" cy="0"/>
+          <a:chOff x="0" y="0"/>
+          <a:chExt cx="0" cy="0"/>
+        </a:xfrm>
+      </p:grpSpPr>
+      <p:sp>
+        <p:nvSpPr>
+          <p:cNvPr id="2" name="幻灯片图像占位符 1"/>
+          <p:cNvSpPr>
+            <a:spLocks noGrp="1" noRot="1" noChangeAspect="1"/>
+          </p:cNvSpPr>
+          <p:nvPr>
+            <p:ph type="sldImg"/>
+          </p:nvPr>
+        </p:nvSpPr>
+        <p:spPr/>
+      </p:sp>
+      <p:sp>
+        <p:nvSpPr>
+          <p:cNvPr id="3" name="备注占位符 2"/>
+          <p:cNvSpPr>
+            <a:spLocks noGrp="1"/>
+          </p:cNvSpPr>
+          <p:nvPr>
+            <p:ph type="body" idx="1"/>
+          </p:nvPr>
+        </p:nvSpPr>
+        <p:spPr/>
+        <p:txBody>
+          <a:bodyPr/>
+          <a:lstStyle/>
+          <a:p>
+            <a:pPr marL="0" marR="0" lvl="0" indent="0" algn="l" defTabSz="914400" rtl="0" eaLnBrk="1" fontAlgn="auto" latinLnBrk="0" hangingPunct="1">
+              <a:lnSpc>
+                <a:spcPct val="100000"/>
+              </a:lnSpc>
+              <a:spcBef>
+                <a:spcPts val="0"/>
+              </a:spcBef>
+              <a:spcAft>
+                <a:spcPts val="0"/>
+              </a:spcAft>
+              <a:buClrTx/>
+              <a:buSzTx/>
+              <a:buFontTx/>
+              <a:buNone/>
+              <a:tabLst/>
+              <a:defRPr/>
+            </a:pPr>
+            <a:r>
+              <a:rPr lang="zh-CN" altLang="en-US" dirty="0"/>
+              <a:t>存量管理可以解释供应链行为是如何产生振荡、放大等行为模式。</a:t>
+            </a:r>
+            <a:endParaRPr lang="en-US" altLang="zh-CN" dirty="0"/>
+          </a:p>
+          <a:p>
+            <a:endParaRPr kumimoji="1" lang="zh-CN" altLang="en-US" dirty="0"/>
+          </a:p>
+        </p:txBody>
+      </p:sp>
+      <p:sp>
+        <p:nvSpPr>
+          <p:cNvPr id="4" name="灯片编号占位符 3"/>
+          <p:cNvSpPr>
+            <a:spLocks noGrp="1"/>
+          </p:cNvSpPr>
+          <p:nvPr>
+            <p:ph type="sldNum" sz="quarter" idx="5"/>
+          </p:nvPr>
+        </p:nvSpPr>
+        <p:spPr/>
+        <p:txBody>
+          <a:bodyPr/>
+          <a:lstStyle/>
+          <a:p>
+            <a:fld id="{841221E5-7225-48EB-A4EE-420E7BFCF705}" type="slidenum">
+              <a:rPr lang="en-US" altLang="zh-CN" noProof="0" smtClean="0"/>
+              <a:pPr/>
+              <a:t>12</a:t>
+            </a:fld>
+            <a:endParaRPr lang="zh-CN" altLang="en-US" noProof="0" dirty="0"/>
+          </a:p>
+        </p:txBody>
+      </p:sp>
+    </p:spTree>
+    <p:extLst>
+      <p:ext uri="{BB962C8B-B14F-4D97-AF65-F5344CB8AC3E}">
+        <p14:creationId xmlns:p14="http://schemas.microsoft.com/office/powerpoint/2010/main" val="2686388304"/>
       </p:ext>
     </p:extLst>
   </p:cSld>
@@ -8575,18 +8684,6 @@
               <a:buFont typeface="+mj-lt"/>
               <a:buAutoNum type="arabicPeriod" startAt="5"/>
             </a:pPr>
-            <a:r>
-              <a:rPr lang="zh-CN" altLang="en-US" dirty="0"/>
-              <a:t>流量</a:t>
-            </a:r>
-            <a:r>
-              <a:rPr lang="en-US" altLang="zh-CN" dirty="0"/>
-              <a:t>=</a:t>
-            </a:r>
-            <a:r>
-              <a:rPr lang="zh-CN" altLang="en-US" dirty="0"/>
-              <a:t>标准流量*影响作用</a:t>
-            </a:r>
             <a:endParaRPr lang="en-US" altLang="zh-CN" dirty="0"/>
           </a:p>
           <a:p>
@@ -8608,28 +8705,6 @@
               <a:buFont typeface="+mj-lt"/>
               <a:buAutoNum type="arabicPeriod" startAt="5"/>
             </a:pPr>
-            <a:endParaRPr lang="en-US" altLang="zh-CN" dirty="0"/>
-          </a:p>
-          <a:p>
-            <a:pPr marL="514350" indent="-514350">
-              <a:buFont typeface="+mj-lt"/>
-              <a:buAutoNum type="arabicPeriod" startAt="5"/>
-            </a:pPr>
-            <a:r>
-              <a:rPr lang="en-US" altLang="zh-CN" dirty="0"/>
-              <a:t>Fuzzy MIN</a:t>
-            </a:r>
-            <a:r>
-              <a:rPr lang="zh-CN" altLang="en-US" dirty="0"/>
-              <a:t>函数</a:t>
-            </a:r>
-            <a:endParaRPr lang="en-US" altLang="zh-CN" dirty="0"/>
-          </a:p>
-          <a:p>
-            <a:pPr marL="514350" indent="-514350">
-              <a:buFont typeface="+mj-lt"/>
-              <a:buAutoNum type="arabicPeriod" startAt="5"/>
-            </a:pPr>
             <a:endParaRPr lang="zh-CN" altLang="en-US" dirty="0"/>
           </a:p>
         </p:txBody>
@@ -8642,8 +8717,8 @@
         </p:nvSpPr>
         <p:spPr>
           <a:xfrm>
-            <a:off x="1901479" y="2317035"/>
-            <a:ext cx="5514651" cy="646331"/>
+            <a:off x="2117455" y="1747133"/>
+            <a:ext cx="7292381" cy="461665"/>
           </a:xfrm>
           <a:prstGeom prst="rect">
             <a:avLst/>
@@ -8657,7 +8732,7 @@
           <a:lstStyle/>
           <a:p>
             <a:r>
-              <a:rPr lang="zh-CN" altLang="en-US" dirty="0">
+              <a:rPr lang="zh-CN" altLang="en-US" sz="2400" dirty="0">
                 <a:solidFill>
                   <a:srgbClr val="7030A0"/>
                 </a:solidFill>
@@ -8665,7 +8740,7 @@
               <a:t>劳动时间</a:t>
             </a:r>
             <a:r>
-              <a:rPr lang="en-US" altLang="zh-CN" dirty="0">
+              <a:rPr lang="en-US" altLang="zh-CN" sz="2400" dirty="0">
                 <a:solidFill>
                   <a:srgbClr val="7030A0"/>
                 </a:solidFill>
@@ -8673,45 +8748,19 @@
               <a:t>=</a:t>
             </a:r>
             <a:r>
-              <a:rPr lang="zh-CN" altLang="en-US" dirty="0">
+              <a:rPr lang="zh-CN" altLang="en-US" sz="2400" dirty="0">
                 <a:solidFill>
                   <a:srgbClr val="7030A0"/>
                 </a:solidFill>
               </a:rPr>
               <a:t>标准劳动时间*生产压力对劳动时间的影响</a:t>
             </a:r>
-            <a:endParaRPr lang="en-US" altLang="zh-CN" dirty="0">
+            <a:endParaRPr lang="en-US" altLang="zh-CN" sz="2400" dirty="0">
               <a:solidFill>
                 <a:srgbClr val="7030A0"/>
               </a:solidFill>
             </a:endParaRPr>
           </a:p>
-          <a:p>
-            <a:r>
-              <a:rPr lang="zh-CN" altLang="en-US" dirty="0">
-                <a:solidFill>
-                  <a:srgbClr val="7030A0"/>
-                </a:solidFill>
-              </a:rPr>
-              <a:t>产量</a:t>
-            </a:r>
-            <a:r>
-              <a:rPr lang="en-US" altLang="zh-CN" dirty="0">
-                <a:solidFill>
-                  <a:srgbClr val="7030A0"/>
-                </a:solidFill>
-              </a:rPr>
-              <a:t>=</a:t>
-            </a:r>
-            <a:r>
-              <a:rPr lang="zh-CN" altLang="en-US" dirty="0">
-                <a:solidFill>
-                  <a:srgbClr val="7030A0"/>
-                </a:solidFill>
-              </a:rPr>
-              <a:t>核定产能*加班系数</a:t>
-            </a:r>
-          </a:p>
         </p:txBody>
       </p:sp>
       <p:sp>
@@ -8722,8 +8771,8 @@
         </p:nvSpPr>
         <p:spPr>
           <a:xfrm>
-            <a:off x="1917948" y="4154517"/>
-            <a:ext cx="3632726" cy="369332"/>
+            <a:off x="2130919" y="4176914"/>
+            <a:ext cx="4782078" cy="461665"/>
           </a:xfrm>
           <a:prstGeom prst="rect">
             <a:avLst/>
@@ -8737,7 +8786,7 @@
           <a:lstStyle/>
           <a:p>
             <a:r>
-              <a:rPr lang="zh-CN" altLang="en-US" dirty="0">
+              <a:rPr lang="zh-CN" altLang="en-US" sz="2400" dirty="0">
                 <a:solidFill>
                   <a:srgbClr val="7030A0"/>
                 </a:solidFill>
@@ -8745,7 +8794,7 @@
               <a:t>产量</a:t>
             </a:r>
             <a:r>
-              <a:rPr lang="en-US" altLang="zh-CN" dirty="0">
+              <a:rPr lang="en-US" altLang="zh-CN" sz="2400" dirty="0">
                 <a:solidFill>
                   <a:srgbClr val="7030A0"/>
                 </a:solidFill>
@@ -8753,7 +8802,7 @@
               <a:t>=MIN(</a:t>
             </a:r>
             <a:r>
-              <a:rPr lang="zh-CN" altLang="en-US" dirty="0">
+              <a:rPr lang="zh-CN" altLang="en-US" sz="2400" dirty="0">
                 <a:solidFill>
                   <a:srgbClr val="7030A0"/>
                 </a:solidFill>
@@ -8761,18 +8810,162 @@
               <a:t>产品需求量，生产能力</a:t>
             </a:r>
             <a:r>
-              <a:rPr lang="en-US" altLang="zh-CN" dirty="0">
+              <a:rPr lang="en-US" altLang="zh-CN" sz="2400" dirty="0">
                 <a:solidFill>
                   <a:srgbClr val="7030A0"/>
                 </a:solidFill>
               </a:rPr>
               <a:t>)</a:t>
             </a:r>
-            <a:endParaRPr lang="zh-CN" altLang="en-US" dirty="0">
+            <a:endParaRPr lang="zh-CN" altLang="en-US" sz="2400" dirty="0">
               <a:solidFill>
                 <a:srgbClr val="7030A0"/>
               </a:solidFill>
             </a:endParaRPr>
+          </a:p>
+        </p:txBody>
+      </p:sp>
+      <p:sp>
+        <p:nvSpPr>
+          <p:cNvPr id="2" name="矩形 1">
+            <a:extLst>
+              <a:ext uri="{FF2B5EF4-FFF2-40B4-BE49-F238E27FC236}">
+                <a16:creationId xmlns:a16="http://schemas.microsoft.com/office/drawing/2014/main" id="{01CB5341-16A7-D64E-9D0E-B4B0968479E5}"/>
+              </a:ext>
+            </a:extLst>
+          </p:cNvPr>
+          <p:cNvSpPr/>
+          <p:nvPr/>
+        </p:nvSpPr>
+        <p:spPr>
+          <a:xfrm>
+            <a:off x="2117455" y="2351266"/>
+            <a:ext cx="3599062" cy="461665"/>
+          </a:xfrm>
+          <a:prstGeom prst="rect">
+            <a:avLst/>
+          </a:prstGeom>
+        </p:spPr>
+        <p:txBody>
+          <a:bodyPr wrap="none">
+            <a:spAutoFit/>
+          </a:bodyPr>
+          <a:lstStyle/>
+          <a:p>
+            <a:r>
+              <a:rPr lang="zh-CN" altLang="en-US" sz="2400" dirty="0">
+                <a:solidFill>
+                  <a:srgbClr val="7030A0"/>
+                </a:solidFill>
+              </a:rPr>
+              <a:t>产量</a:t>
+            </a:r>
+            <a:r>
+              <a:rPr lang="en-US" altLang="zh-CN" sz="2400" dirty="0">
+                <a:solidFill>
+                  <a:srgbClr val="7030A0"/>
+                </a:solidFill>
+              </a:rPr>
+              <a:t>=</a:t>
+            </a:r>
+            <a:r>
+              <a:rPr lang="zh-CN" altLang="en-US" sz="2400" dirty="0">
+                <a:solidFill>
+                  <a:srgbClr val="7030A0"/>
+                </a:solidFill>
+              </a:rPr>
+              <a:t>核定产能*加班系数</a:t>
+            </a:r>
+          </a:p>
+        </p:txBody>
+      </p:sp>
+      <p:sp>
+        <p:nvSpPr>
+          <p:cNvPr id="6" name="矩形 5">
+            <a:extLst>
+              <a:ext uri="{FF2B5EF4-FFF2-40B4-BE49-F238E27FC236}">
+                <a16:creationId xmlns:a16="http://schemas.microsoft.com/office/drawing/2014/main" id="{2CB12D2A-EE8A-2745-9EA5-5BBBF4C33A21}"/>
+              </a:ext>
+            </a:extLst>
+          </p:cNvPr>
+          <p:cNvSpPr/>
+          <p:nvPr/>
+        </p:nvSpPr>
+        <p:spPr>
+          <a:xfrm>
+            <a:off x="1629916" y="1075428"/>
+            <a:ext cx="4118435" cy="461665"/>
+          </a:xfrm>
+          <a:prstGeom prst="rect">
+            <a:avLst/>
+          </a:prstGeom>
+        </p:spPr>
+        <p:txBody>
+          <a:bodyPr wrap="none">
+            <a:spAutoFit/>
+          </a:bodyPr>
+          <a:lstStyle/>
+          <a:p>
+            <a:pPr marL="514350" indent="-514350">
+              <a:buFont typeface="+mj-lt"/>
+              <a:buAutoNum type="arabicPeriod" startAt="5"/>
+            </a:pPr>
+            <a:r>
+              <a:rPr lang="zh-CN" altLang="en-US" sz="2400" dirty="0"/>
+              <a:t>流量</a:t>
+            </a:r>
+            <a:r>
+              <a:rPr lang="en-US" altLang="zh-CN" sz="2400" dirty="0"/>
+              <a:t>=</a:t>
+            </a:r>
+            <a:r>
+              <a:rPr lang="zh-CN" altLang="en-US" sz="2400" dirty="0"/>
+              <a:t>标准流量*影响作用</a:t>
+            </a:r>
+            <a:endParaRPr lang="en-US" altLang="zh-CN" sz="2400" dirty="0"/>
+          </a:p>
+        </p:txBody>
+      </p:sp>
+      <p:sp>
+        <p:nvSpPr>
+          <p:cNvPr id="7" name="矩形 6">
+            <a:extLst>
+              <a:ext uri="{FF2B5EF4-FFF2-40B4-BE49-F238E27FC236}">
+                <a16:creationId xmlns:a16="http://schemas.microsoft.com/office/drawing/2014/main" id="{035910DF-C6E0-0947-A865-639072F4CBE4}"/>
+              </a:ext>
+            </a:extLst>
+          </p:cNvPr>
+          <p:cNvSpPr/>
+          <p:nvPr/>
+        </p:nvSpPr>
+        <p:spPr>
+          <a:xfrm>
+            <a:off x="1709523" y="3505209"/>
+            <a:ext cx="2719719" cy="461665"/>
+          </a:xfrm>
+          <a:prstGeom prst="rect">
+            <a:avLst/>
+          </a:prstGeom>
+        </p:spPr>
+        <p:txBody>
+          <a:bodyPr wrap="none">
+            <a:spAutoFit/>
+          </a:bodyPr>
+          <a:lstStyle/>
+          <a:p>
+            <a:pPr marL="514350" indent="-514350">
+              <a:buFont typeface="+mj-lt"/>
+              <a:buAutoNum type="arabicPeriod" startAt="6"/>
+            </a:pPr>
+            <a:r>
+              <a:rPr lang="en-US" altLang="zh-CN" sz="2400" dirty="0"/>
+              <a:t>Fuzzy MIN</a:t>
+            </a:r>
+            <a:r>
+              <a:rPr lang="zh-CN" altLang="en-US" sz="2400" dirty="0"/>
+              <a:t>函数</a:t>
+            </a:r>
+            <a:endParaRPr lang="en-US" altLang="zh-CN" sz="2400" dirty="0"/>
           </a:p>
         </p:txBody>
       </p:sp>
@@ -8798,6 +8991,308 @@
       </p:transition>
     </mc:Fallback>
   </mc:AlternateContent>
+  <p:timing>
+    <p:tnLst>
+      <p:par>
+        <p:cTn id="1" dur="indefinite" restart="never" nodeType="tmRoot">
+          <p:childTnLst>
+            <p:seq concurrent="1" nextAc="seek">
+              <p:cTn id="2" dur="indefinite" nodeType="mainSeq">
+                <p:childTnLst>
+                  <p:par>
+                    <p:cTn id="3" fill="hold">
+                      <p:stCondLst>
+                        <p:cond delay="indefinite"/>
+                      </p:stCondLst>
+                      <p:childTnLst>
+                        <p:par>
+                          <p:cTn id="4" fill="hold">
+                            <p:stCondLst>
+                              <p:cond delay="0"/>
+                            </p:stCondLst>
+                            <p:childTnLst>
+                              <p:par>
+                                <p:cTn id="5" presetID="10" presetClass="entr" presetSubtype="0" fill="hold" grpId="0" nodeType="clickEffect">
+                                  <p:stCondLst>
+                                    <p:cond delay="0"/>
+                                  </p:stCondLst>
+                                  <p:childTnLst>
+                                    <p:set>
+                                      <p:cBhvr>
+                                        <p:cTn id="6" dur="1" fill="hold">
+                                          <p:stCondLst>
+                                            <p:cond delay="0"/>
+                                          </p:stCondLst>
+                                        </p:cTn>
+                                        <p:tgtEl>
+                                          <p:spTgt spid="6"/>
+                                        </p:tgtEl>
+                                        <p:attrNameLst>
+                                          <p:attrName>style.visibility</p:attrName>
+                                        </p:attrNameLst>
+                                      </p:cBhvr>
+                                      <p:to>
+                                        <p:strVal val="visible"/>
+                                      </p:to>
+                                    </p:set>
+                                    <p:animEffect transition="in" filter="fade">
+                                      <p:cBhvr>
+                                        <p:cTn id="7" dur="500"/>
+                                        <p:tgtEl>
+                                          <p:spTgt spid="6"/>
+                                        </p:tgtEl>
+                                      </p:cBhvr>
+                                    </p:animEffect>
+                                  </p:childTnLst>
+                                </p:cTn>
+                              </p:par>
+                            </p:childTnLst>
+                          </p:cTn>
+                        </p:par>
+                      </p:childTnLst>
+                    </p:cTn>
+                  </p:par>
+                  <p:par>
+                    <p:cTn id="8" fill="hold">
+                      <p:stCondLst>
+                        <p:cond delay="indefinite"/>
+                      </p:stCondLst>
+                      <p:childTnLst>
+                        <p:par>
+                          <p:cTn id="9" fill="hold">
+                            <p:stCondLst>
+                              <p:cond delay="0"/>
+                            </p:stCondLst>
+                            <p:childTnLst>
+                              <p:par>
+                                <p:cTn id="10" presetID="10" presetClass="entr" presetSubtype="0" fill="hold" grpId="0" nodeType="clickEffect">
+                                  <p:stCondLst>
+                                    <p:cond delay="0"/>
+                                  </p:stCondLst>
+                                  <p:childTnLst>
+                                    <p:set>
+                                      <p:cBhvr>
+                                        <p:cTn id="11" dur="1" fill="hold">
+                                          <p:stCondLst>
+                                            <p:cond delay="0"/>
+                                          </p:stCondLst>
+                                        </p:cTn>
+                                        <p:tgtEl>
+                                          <p:spTgt spid="4"/>
+                                        </p:tgtEl>
+                                        <p:attrNameLst>
+                                          <p:attrName>style.visibility</p:attrName>
+                                        </p:attrNameLst>
+                                      </p:cBhvr>
+                                      <p:to>
+                                        <p:strVal val="visible"/>
+                                      </p:to>
+                                    </p:set>
+                                    <p:animEffect transition="in" filter="fade">
+                                      <p:cBhvr>
+                                        <p:cTn id="12" dur="500"/>
+                                        <p:tgtEl>
+                                          <p:spTgt spid="4"/>
+                                        </p:tgtEl>
+                                      </p:cBhvr>
+                                    </p:animEffect>
+                                  </p:childTnLst>
+                                </p:cTn>
+                              </p:par>
+                            </p:childTnLst>
+                          </p:cTn>
+                        </p:par>
+                      </p:childTnLst>
+                    </p:cTn>
+                  </p:par>
+                  <p:par>
+                    <p:cTn id="13" fill="hold">
+                      <p:stCondLst>
+                        <p:cond delay="indefinite"/>
+                      </p:stCondLst>
+                      <p:childTnLst>
+                        <p:par>
+                          <p:cTn id="14" fill="hold">
+                            <p:stCondLst>
+                              <p:cond delay="0"/>
+                            </p:stCondLst>
+                            <p:childTnLst>
+                              <p:par>
+                                <p:cTn id="15" presetID="10" presetClass="entr" presetSubtype="0" fill="hold" grpId="0" nodeType="clickEffect">
+                                  <p:stCondLst>
+                                    <p:cond delay="0"/>
+                                  </p:stCondLst>
+                                  <p:childTnLst>
+                                    <p:set>
+                                      <p:cBhvr>
+                                        <p:cTn id="16" dur="1" fill="hold">
+                                          <p:stCondLst>
+                                            <p:cond delay="0"/>
+                                          </p:stCondLst>
+                                        </p:cTn>
+                                        <p:tgtEl>
+                                          <p:spTgt spid="2"/>
+                                        </p:tgtEl>
+                                        <p:attrNameLst>
+                                          <p:attrName>style.visibility</p:attrName>
+                                        </p:attrNameLst>
+                                      </p:cBhvr>
+                                      <p:to>
+                                        <p:strVal val="visible"/>
+                                      </p:to>
+                                    </p:set>
+                                    <p:animEffect transition="in" filter="fade">
+                                      <p:cBhvr>
+                                        <p:cTn id="17" dur="500"/>
+                                        <p:tgtEl>
+                                          <p:spTgt spid="2"/>
+                                        </p:tgtEl>
+                                      </p:cBhvr>
+                                    </p:animEffect>
+                                  </p:childTnLst>
+                                </p:cTn>
+                              </p:par>
+                            </p:childTnLst>
+                          </p:cTn>
+                        </p:par>
+                      </p:childTnLst>
+                    </p:cTn>
+                  </p:par>
+                  <p:par>
+                    <p:cTn id="18" fill="hold">
+                      <p:stCondLst>
+                        <p:cond delay="indefinite"/>
+                      </p:stCondLst>
+                      <p:childTnLst>
+                        <p:par>
+                          <p:cTn id="19" fill="hold">
+                            <p:stCondLst>
+                              <p:cond delay="0"/>
+                            </p:stCondLst>
+                            <p:childTnLst>
+                              <p:par>
+                                <p:cTn id="20" presetID="10" presetClass="entr" presetSubtype="0" fill="hold" grpId="0" nodeType="clickEffect">
+                                  <p:stCondLst>
+                                    <p:cond delay="0"/>
+                                  </p:stCondLst>
+                                  <p:childTnLst>
+                                    <p:set>
+                                      <p:cBhvr>
+                                        <p:cTn id="21" dur="1" fill="hold">
+                                          <p:stCondLst>
+                                            <p:cond delay="0"/>
+                                          </p:stCondLst>
+                                        </p:cTn>
+                                        <p:tgtEl>
+                                          <p:spTgt spid="7"/>
+                                        </p:tgtEl>
+                                        <p:attrNameLst>
+                                          <p:attrName>style.visibility</p:attrName>
+                                        </p:attrNameLst>
+                                      </p:cBhvr>
+                                      <p:to>
+                                        <p:strVal val="visible"/>
+                                      </p:to>
+                                    </p:set>
+                                    <p:animEffect transition="in" filter="fade">
+                                      <p:cBhvr>
+                                        <p:cTn id="22" dur="500"/>
+                                        <p:tgtEl>
+                                          <p:spTgt spid="7"/>
+                                        </p:tgtEl>
+                                      </p:cBhvr>
+                                    </p:animEffect>
+                                  </p:childTnLst>
+                                </p:cTn>
+                              </p:par>
+                            </p:childTnLst>
+                          </p:cTn>
+                        </p:par>
+                      </p:childTnLst>
+                    </p:cTn>
+                  </p:par>
+                  <p:par>
+                    <p:cTn id="23" fill="hold">
+                      <p:stCondLst>
+                        <p:cond delay="indefinite"/>
+                      </p:stCondLst>
+                      <p:childTnLst>
+                        <p:par>
+                          <p:cTn id="24" fill="hold">
+                            <p:stCondLst>
+                              <p:cond delay="0"/>
+                            </p:stCondLst>
+                            <p:childTnLst>
+                              <p:par>
+                                <p:cTn id="25" presetID="10" presetClass="entr" presetSubtype="0" fill="hold" grpId="0" nodeType="clickEffect">
+                                  <p:stCondLst>
+                                    <p:cond delay="0"/>
+                                  </p:stCondLst>
+                                  <p:childTnLst>
+                                    <p:set>
+                                      <p:cBhvr>
+                                        <p:cTn id="26" dur="1" fill="hold">
+                                          <p:stCondLst>
+                                            <p:cond delay="0"/>
+                                          </p:stCondLst>
+                                        </p:cTn>
+                                        <p:tgtEl>
+                                          <p:spTgt spid="5"/>
+                                        </p:tgtEl>
+                                        <p:attrNameLst>
+                                          <p:attrName>style.visibility</p:attrName>
+                                        </p:attrNameLst>
+                                      </p:cBhvr>
+                                      <p:to>
+                                        <p:strVal val="visible"/>
+                                      </p:to>
+                                    </p:set>
+                                    <p:animEffect transition="in" filter="fade">
+                                      <p:cBhvr>
+                                        <p:cTn id="27" dur="500"/>
+                                        <p:tgtEl>
+                                          <p:spTgt spid="5"/>
+                                        </p:tgtEl>
+                                      </p:cBhvr>
+                                    </p:animEffect>
+                                  </p:childTnLst>
+                                </p:cTn>
+                              </p:par>
+                            </p:childTnLst>
+                          </p:cTn>
+                        </p:par>
+                      </p:childTnLst>
+                    </p:cTn>
+                  </p:par>
+                </p:childTnLst>
+              </p:cTn>
+              <p:prevCondLst>
+                <p:cond evt="onPrev" delay="0">
+                  <p:tgtEl>
+                    <p:sldTgt/>
+                  </p:tgtEl>
+                </p:cond>
+              </p:prevCondLst>
+              <p:nextCondLst>
+                <p:cond evt="onNext" delay="0">
+                  <p:tgtEl>
+                    <p:sldTgt/>
+                  </p:tgtEl>
+                </p:cond>
+              </p:nextCondLst>
+            </p:seq>
+          </p:childTnLst>
+        </p:cTn>
+      </p:par>
+    </p:tnLst>
+    <p:bldLst>
+      <p:bldP spid="4" grpId="0"/>
+      <p:bldP spid="5" grpId="0"/>
+      <p:bldP spid="2" grpId="0"/>
+      <p:bldP spid="6" grpId="0"/>
+      <p:bldP spid="7" grpId="0"/>
+    </p:bldLst>
+  </p:timing>
 </p:sld>
 </file>
 
@@ -9046,6 +9541,342 @@
 </file>
 
 <file path=ppt/slides/slide12.xml><?xml version="1.0" encoding="utf-8"?>
+<p:sld xmlns:a="http://schemas.openxmlformats.org/drawingml/2006/main" xmlns:r="http://schemas.openxmlformats.org/officeDocument/2006/relationships" xmlns:p="http://schemas.openxmlformats.org/presentationml/2006/main">
+  <p:cSld>
+    <p:spTree>
+      <p:nvGrpSpPr>
+        <p:cNvPr id="1" name=""/>
+        <p:cNvGrpSpPr/>
+        <p:nvPr/>
+      </p:nvGrpSpPr>
+      <p:grpSpPr>
+        <a:xfrm>
+          <a:off x="0" y="0"/>
+          <a:ext cx="0" cy="0"/>
+          <a:chOff x="0" y="0"/>
+          <a:chExt cx="0" cy="0"/>
+        </a:xfrm>
+      </p:grpSpPr>
+      <p:sp>
+        <p:nvSpPr>
+          <p:cNvPr id="2" name="标题 1"/>
+          <p:cNvSpPr>
+            <a:spLocks noGrp="1"/>
+          </p:cNvSpPr>
+          <p:nvPr>
+            <p:ph type="title"/>
+          </p:nvPr>
+        </p:nvSpPr>
+        <p:spPr>
+          <a:xfrm>
+            <a:off x="1074240" y="381000"/>
+            <a:ext cx="3293422" cy="599728"/>
+          </a:xfrm>
+        </p:spPr>
+        <p:txBody>
+          <a:bodyPr/>
+          <a:lstStyle/>
+          <a:p>
+            <a:r>
+              <a:rPr lang="zh-CN" altLang="en-US" dirty="0"/>
+              <a:t>管理者的决策环节</a:t>
+            </a:r>
+          </a:p>
+        </p:txBody>
+      </p:sp>
+      <p:sp>
+        <p:nvSpPr>
+          <p:cNvPr id="4" name="文本占位符 3"/>
+          <p:cNvSpPr>
+            <a:spLocks noGrp="1"/>
+          </p:cNvSpPr>
+          <p:nvPr>
+            <p:ph type="body" sz="half" idx="2"/>
+          </p:nvPr>
+        </p:nvSpPr>
+        <p:spPr>
+          <a:xfrm>
+            <a:off x="1074240" y="1196752"/>
+            <a:ext cx="3293422" cy="4975448"/>
+          </a:xfrm>
+        </p:spPr>
+        <p:txBody>
+          <a:bodyPr/>
+          <a:lstStyle/>
+          <a:p>
+            <a:r>
+              <a:rPr lang="zh-CN" altLang="en-US" dirty="0"/>
+              <a:t>首先，企业在试图平衡产量和订单时是如何进行存货和资源管理。</a:t>
+            </a:r>
+            <a:endParaRPr lang="en-US" altLang="zh-CN" dirty="0"/>
+          </a:p>
+          <a:p>
+            <a:r>
+              <a:rPr lang="zh-CN" altLang="en-US" dirty="0"/>
+              <a:t>期望的获得速率：</a:t>
+            </a:r>
+            <a:endParaRPr lang="en-US" altLang="zh-CN" dirty="0"/>
+          </a:p>
+          <a:p>
+            <a:r>
+              <a:rPr lang="zh-CN" altLang="en-US" dirty="0"/>
+              <a:t>对预期损失进行弥补</a:t>
+            </a:r>
+            <a:endParaRPr lang="en-US" altLang="zh-CN" dirty="0"/>
+          </a:p>
+          <a:p>
+            <a:r>
+              <a:rPr lang="zh-CN" altLang="en-US" dirty="0"/>
+              <a:t>降低存量要求水平和实际存量之间差距</a:t>
+            </a:r>
+            <a:endParaRPr lang="en-US" altLang="zh-CN" dirty="0"/>
+          </a:p>
+          <a:p>
+            <a:r>
+              <a:rPr lang="zh-CN" altLang="en-US" dirty="0"/>
+              <a:t>通常包含负反馈进行平衡</a:t>
+            </a:r>
+          </a:p>
+        </p:txBody>
+      </p:sp>
+      <p:pic>
+        <p:nvPicPr>
+          <p:cNvPr id="5" name="图片占位符 4"/>
+          <p:cNvPicPr>
+            <a:picLocks noGrp="1" noChangeAspect="1"/>
+          </p:cNvPicPr>
+          <p:nvPr>
+            <p:ph type="pic" idx="1"/>
+          </p:nvPr>
+        </p:nvPicPr>
+        <p:blipFill>
+          <a:blip r:embed="rId3"/>
+          <a:srcRect l="4970" r="4970"/>
+          <a:stretch>
+            <a:fillRect/>
+          </a:stretch>
+        </p:blipFill>
+        <p:spPr>
+          <a:xfrm>
+            <a:off x="5302324" y="482600"/>
+            <a:ext cx="6195986" cy="5689600"/>
+          </a:xfrm>
+          <a:prstGeom prst="rect">
+            <a:avLst/>
+          </a:prstGeom>
+        </p:spPr>
+      </p:pic>
+      <p:sp>
+        <p:nvSpPr>
+          <p:cNvPr id="3" name="椭圆 2"/>
+          <p:cNvSpPr/>
+          <p:nvPr/>
+        </p:nvSpPr>
+        <p:spPr>
+          <a:xfrm>
+            <a:off x="4942284" y="2924944"/>
+            <a:ext cx="2088232" cy="1224136"/>
+          </a:xfrm>
+          <a:prstGeom prst="ellipse">
+            <a:avLst/>
+          </a:prstGeom>
+          <a:noFill/>
+          <a:ln>
+            <a:solidFill>
+              <a:srgbClr val="FF0000"/>
+            </a:solidFill>
+          </a:ln>
+        </p:spPr>
+        <p:style>
+          <a:lnRef idx="2">
+            <a:schemeClr val="accent1">
+              <a:shade val="50000"/>
+            </a:schemeClr>
+          </a:lnRef>
+          <a:fillRef idx="1">
+            <a:schemeClr val="accent1"/>
+          </a:fillRef>
+          <a:effectRef idx="0">
+            <a:schemeClr val="accent1"/>
+          </a:effectRef>
+          <a:fontRef idx="minor">
+            <a:schemeClr val="lt1"/>
+          </a:fontRef>
+        </p:style>
+        <p:txBody>
+          <a:bodyPr rtlCol="0" anchor="ctr"/>
+          <a:lstStyle/>
+          <a:p>
+            <a:pPr algn="ctr"/>
+            <a:endParaRPr lang="zh-CN" altLang="en-US"/>
+          </a:p>
+        </p:txBody>
+      </p:sp>
+    </p:spTree>
+    <p:extLst>
+      <p:ext uri="{BB962C8B-B14F-4D97-AF65-F5344CB8AC3E}">
+        <p14:creationId xmlns:p14="http://schemas.microsoft.com/office/powerpoint/2010/main" val="1184798977"/>
+      </p:ext>
+    </p:extLst>
+  </p:cSld>
+  <p:clrMapOvr>
+    <a:masterClrMapping/>
+  </p:clrMapOvr>
+  <mc:AlternateContent xmlns:mc="http://schemas.openxmlformats.org/markup-compatibility/2006" xmlns:p14="http://schemas.microsoft.com/office/powerpoint/2010/main">
+    <mc:Choice Requires="p14">
+      <p:transition spd="med" p14:dur="700">
+        <p:fade/>
+      </p:transition>
+    </mc:Choice>
+    <mc:Fallback xmlns="">
+      <p:transition spd="med">
+        <p:fade/>
+      </p:transition>
+    </mc:Fallback>
+  </mc:AlternateContent>
+  <p:timing>
+    <p:tnLst>
+      <p:par>
+        <p:cTn id="1" dur="indefinite" restart="never" nodeType="tmRoot">
+          <p:childTnLst>
+            <p:seq concurrent="1" nextAc="seek">
+              <p:cTn id="2" dur="indefinite" nodeType="mainSeq">
+                <p:childTnLst>
+                  <p:par>
+                    <p:cTn id="3" fill="hold">
+                      <p:stCondLst>
+                        <p:cond delay="indefinite"/>
+                      </p:stCondLst>
+                      <p:childTnLst>
+                        <p:par>
+                          <p:cTn id="4" fill="hold">
+                            <p:stCondLst>
+                              <p:cond delay="0"/>
+                            </p:stCondLst>
+                            <p:childTnLst>
+                              <p:par>
+                                <p:cTn id="5" presetID="10" presetClass="entr" presetSubtype="0" fill="hold" nodeType="clickEffect">
+                                  <p:stCondLst>
+                                    <p:cond delay="0"/>
+                                  </p:stCondLst>
+                                  <p:childTnLst>
+                                    <p:set>
+                                      <p:cBhvr>
+                                        <p:cTn id="6" dur="1" fill="hold">
+                                          <p:stCondLst>
+                                            <p:cond delay="0"/>
+                                          </p:stCondLst>
+                                        </p:cTn>
+                                        <p:tgtEl>
+                                          <p:spTgt spid="5"/>
+                                        </p:tgtEl>
+                                        <p:attrNameLst>
+                                          <p:attrName>style.visibility</p:attrName>
+                                        </p:attrNameLst>
+                                      </p:cBhvr>
+                                      <p:to>
+                                        <p:strVal val="visible"/>
+                                      </p:to>
+                                    </p:set>
+                                    <p:animEffect transition="in" filter="fade">
+                                      <p:cBhvr>
+                                        <p:cTn id="7" dur="500"/>
+                                        <p:tgtEl>
+                                          <p:spTgt spid="5"/>
+                                        </p:tgtEl>
+                                      </p:cBhvr>
+                                    </p:animEffect>
+                                  </p:childTnLst>
+                                </p:cTn>
+                              </p:par>
+                            </p:childTnLst>
+                          </p:cTn>
+                        </p:par>
+                      </p:childTnLst>
+                    </p:cTn>
+                  </p:par>
+                  <p:par>
+                    <p:cTn id="8" fill="hold">
+                      <p:stCondLst>
+                        <p:cond delay="indefinite"/>
+                      </p:stCondLst>
+                      <p:childTnLst>
+                        <p:par>
+                          <p:cTn id="9" fill="hold">
+                            <p:stCondLst>
+                              <p:cond delay="0"/>
+                            </p:stCondLst>
+                            <p:childTnLst>
+                              <p:par>
+                                <p:cTn id="10" presetID="10" presetClass="entr" presetSubtype="0" fill="hold" grpId="0" nodeType="clickEffect">
+                                  <p:stCondLst>
+                                    <p:cond delay="0"/>
+                                  </p:stCondLst>
+                                  <p:childTnLst>
+                                    <p:set>
+                                      <p:cBhvr>
+                                        <p:cTn id="11" dur="1" fill="hold">
+                                          <p:stCondLst>
+                                            <p:cond delay="0"/>
+                                          </p:stCondLst>
+                                        </p:cTn>
+                                        <p:tgtEl>
+                                          <p:spTgt spid="3"/>
+                                        </p:tgtEl>
+                                        <p:attrNameLst>
+                                          <p:attrName>style.visibility</p:attrName>
+                                        </p:attrNameLst>
+                                      </p:cBhvr>
+                                      <p:to>
+                                        <p:strVal val="visible"/>
+                                      </p:to>
+                                    </p:set>
+                                    <p:animEffect transition="in" filter="fade">
+                                      <p:cBhvr>
+                                        <p:cTn id="12" dur="500"/>
+                                        <p:tgtEl>
+                                          <p:spTgt spid="3"/>
+                                        </p:tgtEl>
+                                      </p:cBhvr>
+                                    </p:animEffect>
+                                  </p:childTnLst>
+                                </p:cTn>
+                              </p:par>
+                            </p:childTnLst>
+                          </p:cTn>
+                        </p:par>
+                      </p:childTnLst>
+                    </p:cTn>
+                  </p:par>
+                </p:childTnLst>
+              </p:cTn>
+              <p:prevCondLst>
+                <p:cond evt="onPrev" delay="0">
+                  <p:tgtEl>
+                    <p:sldTgt/>
+                  </p:tgtEl>
+                </p:cond>
+              </p:prevCondLst>
+              <p:nextCondLst>
+                <p:cond evt="onNext" delay="0">
+                  <p:tgtEl>
+                    <p:sldTgt/>
+                  </p:tgtEl>
+                </p:cond>
+              </p:nextCondLst>
+            </p:seq>
+          </p:childTnLst>
+        </p:cTn>
+      </p:par>
+    </p:tnLst>
+    <p:bldLst>
+      <p:bldP spid="3" grpId="0" animBg="1"/>
+    </p:bldLst>
+  </p:timing>
+</p:sld>
+</file>
+
+<file path=ppt/slides/slide13.xml><?xml version="1.0" encoding="utf-8"?>
 <p:sld xmlns:a="http://schemas.openxmlformats.org/drawingml/2006/main" xmlns:r="http://schemas.openxmlformats.org/officeDocument/2006/relationships" xmlns:p="http://schemas.openxmlformats.org/presentationml/2006/main">
   <p:cSld>
     <p:spTree>
@@ -9660,349 +10491,6 @@
 </p:sld>
 </file>
 
-<file path=ppt/slides/slide13.xml><?xml version="1.0" encoding="utf-8"?>
-<p:sld xmlns:a="http://schemas.openxmlformats.org/drawingml/2006/main" xmlns:r="http://schemas.openxmlformats.org/officeDocument/2006/relationships" xmlns:p="http://schemas.openxmlformats.org/presentationml/2006/main">
-  <p:cSld>
-    <p:spTree>
-      <p:nvGrpSpPr>
-        <p:cNvPr id="1" name=""/>
-        <p:cNvGrpSpPr/>
-        <p:nvPr/>
-      </p:nvGrpSpPr>
-      <p:grpSpPr>
-        <a:xfrm>
-          <a:off x="0" y="0"/>
-          <a:ext cx="0" cy="0"/>
-          <a:chOff x="0" y="0"/>
-          <a:chExt cx="0" cy="0"/>
-        </a:xfrm>
-      </p:grpSpPr>
-      <p:sp>
-        <p:nvSpPr>
-          <p:cNvPr id="2" name="标题 1"/>
-          <p:cNvSpPr>
-            <a:spLocks noGrp="1"/>
-          </p:cNvSpPr>
-          <p:nvPr>
-            <p:ph type="title"/>
-          </p:nvPr>
-        </p:nvSpPr>
-        <p:spPr>
-          <a:xfrm>
-            <a:off x="1074240" y="381000"/>
-            <a:ext cx="3293422" cy="599728"/>
-          </a:xfrm>
-        </p:spPr>
-        <p:txBody>
-          <a:bodyPr/>
-          <a:lstStyle/>
-          <a:p>
-            <a:r>
-              <a:rPr lang="zh-CN" altLang="en-US" dirty="0"/>
-              <a:t>管理者的决策环节</a:t>
-            </a:r>
-          </a:p>
-        </p:txBody>
-      </p:sp>
-      <p:sp>
-        <p:nvSpPr>
-          <p:cNvPr id="4" name="文本占位符 3"/>
-          <p:cNvSpPr>
-            <a:spLocks noGrp="1"/>
-          </p:cNvSpPr>
-          <p:nvPr>
-            <p:ph type="body" sz="half" idx="2"/>
-          </p:nvPr>
-        </p:nvSpPr>
-        <p:spPr>
-          <a:xfrm>
-            <a:off x="1074240" y="1196752"/>
-            <a:ext cx="3293422" cy="4975448"/>
-          </a:xfrm>
-        </p:spPr>
-        <p:txBody>
-          <a:bodyPr/>
-          <a:lstStyle/>
-          <a:p>
-            <a:r>
-              <a:rPr lang="zh-CN" altLang="en-US" dirty="0"/>
-              <a:t>存量管理可以解释供应链行为是如何产生振荡、放大等行为模式。</a:t>
-            </a:r>
-            <a:endParaRPr lang="en-US" altLang="zh-CN" dirty="0"/>
-          </a:p>
-          <a:p>
-            <a:r>
-              <a:rPr lang="zh-CN" altLang="en-US" dirty="0"/>
-              <a:t>首先，企业在试图平衡产量和订单时是如何进行存货和资源管理。</a:t>
-            </a:r>
-            <a:endParaRPr lang="en-US" altLang="zh-CN" dirty="0"/>
-          </a:p>
-          <a:p>
-            <a:r>
-              <a:rPr lang="zh-CN" altLang="en-US" dirty="0"/>
-              <a:t>期望的获得速率：</a:t>
-            </a:r>
-            <a:endParaRPr lang="en-US" altLang="zh-CN" dirty="0"/>
-          </a:p>
-          <a:p>
-            <a:r>
-              <a:rPr lang="zh-CN" altLang="en-US" dirty="0"/>
-              <a:t>对预期损失进行弥补</a:t>
-            </a:r>
-            <a:endParaRPr lang="en-US" altLang="zh-CN" dirty="0"/>
-          </a:p>
-          <a:p>
-            <a:r>
-              <a:rPr lang="zh-CN" altLang="en-US" dirty="0"/>
-              <a:t>降低存量要求水平和实际存量之间差距</a:t>
-            </a:r>
-            <a:endParaRPr lang="en-US" altLang="zh-CN" dirty="0"/>
-          </a:p>
-          <a:p>
-            <a:r>
-              <a:rPr lang="zh-CN" altLang="en-US" dirty="0"/>
-              <a:t>通常包含负反馈进行平衡</a:t>
-            </a:r>
-          </a:p>
-        </p:txBody>
-      </p:sp>
-      <p:pic>
-        <p:nvPicPr>
-          <p:cNvPr id="5" name="图片占位符 4"/>
-          <p:cNvPicPr>
-            <a:picLocks noGrp="1" noChangeAspect="1"/>
-          </p:cNvPicPr>
-          <p:nvPr>
-            <p:ph type="pic" idx="1"/>
-          </p:nvPr>
-        </p:nvPicPr>
-        <p:blipFill>
-          <a:blip r:embed="rId2"/>
-          <a:srcRect l="4970" r="4970"/>
-          <a:stretch>
-            <a:fillRect/>
-          </a:stretch>
-        </p:blipFill>
-        <p:spPr>
-          <a:xfrm>
-            <a:off x="5302324" y="482600"/>
-            <a:ext cx="6195986" cy="5689600"/>
-          </a:xfrm>
-          <a:prstGeom prst="rect">
-            <a:avLst/>
-          </a:prstGeom>
-        </p:spPr>
-      </p:pic>
-      <p:sp>
-        <p:nvSpPr>
-          <p:cNvPr id="3" name="椭圆 2"/>
-          <p:cNvSpPr/>
-          <p:nvPr/>
-        </p:nvSpPr>
-        <p:spPr>
-          <a:xfrm>
-            <a:off x="4942284" y="2924944"/>
-            <a:ext cx="2088232" cy="1224136"/>
-          </a:xfrm>
-          <a:prstGeom prst="ellipse">
-            <a:avLst/>
-          </a:prstGeom>
-          <a:noFill/>
-          <a:ln>
-            <a:solidFill>
-              <a:srgbClr val="FF0000"/>
-            </a:solidFill>
-          </a:ln>
-        </p:spPr>
-        <p:style>
-          <a:lnRef idx="2">
-            <a:schemeClr val="accent1">
-              <a:shade val="50000"/>
-            </a:schemeClr>
-          </a:lnRef>
-          <a:fillRef idx="1">
-            <a:schemeClr val="accent1"/>
-          </a:fillRef>
-          <a:effectRef idx="0">
-            <a:schemeClr val="accent1"/>
-          </a:effectRef>
-          <a:fontRef idx="minor">
-            <a:schemeClr val="lt1"/>
-          </a:fontRef>
-        </p:style>
-        <p:txBody>
-          <a:bodyPr rtlCol="0" anchor="ctr"/>
-          <a:lstStyle/>
-          <a:p>
-            <a:pPr algn="ctr"/>
-            <a:endParaRPr lang="zh-CN" altLang="en-US"/>
-          </a:p>
-        </p:txBody>
-      </p:sp>
-    </p:spTree>
-    <p:extLst>
-      <p:ext uri="{BB962C8B-B14F-4D97-AF65-F5344CB8AC3E}">
-        <p14:creationId xmlns:p14="http://schemas.microsoft.com/office/powerpoint/2010/main" val="1184798977"/>
-      </p:ext>
-    </p:extLst>
-  </p:cSld>
-  <p:clrMapOvr>
-    <a:masterClrMapping/>
-  </p:clrMapOvr>
-  <mc:AlternateContent xmlns:mc="http://schemas.openxmlformats.org/markup-compatibility/2006" xmlns:p14="http://schemas.microsoft.com/office/powerpoint/2010/main">
-    <mc:Choice Requires="p14">
-      <p:transition spd="med" p14:dur="700">
-        <p:fade/>
-      </p:transition>
-    </mc:Choice>
-    <mc:Fallback xmlns="">
-      <p:transition spd="med">
-        <p:fade/>
-      </p:transition>
-    </mc:Fallback>
-  </mc:AlternateContent>
-  <p:timing>
-    <p:tnLst>
-      <p:par>
-        <p:cTn id="1" dur="indefinite" restart="never" nodeType="tmRoot">
-          <p:childTnLst>
-            <p:seq concurrent="1" nextAc="seek">
-              <p:cTn id="2" dur="indefinite" nodeType="mainSeq">
-                <p:childTnLst>
-                  <p:par>
-                    <p:cTn id="3" fill="hold">
-                      <p:stCondLst>
-                        <p:cond delay="indefinite"/>
-                      </p:stCondLst>
-                      <p:childTnLst>
-                        <p:par>
-                          <p:cTn id="4" fill="hold">
-                            <p:stCondLst>
-                              <p:cond delay="0"/>
-                            </p:stCondLst>
-                            <p:childTnLst>
-                              <p:par>
-                                <p:cTn id="5" presetID="10" presetClass="entr" presetSubtype="0" fill="hold" nodeType="clickEffect">
-                                  <p:stCondLst>
-                                    <p:cond delay="0"/>
-                                  </p:stCondLst>
-                                  <p:childTnLst>
-                                    <p:set>
-                                      <p:cBhvr>
-                                        <p:cTn id="6" dur="1" fill="hold">
-                                          <p:stCondLst>
-                                            <p:cond delay="0"/>
-                                          </p:stCondLst>
-                                        </p:cTn>
-                                        <p:tgtEl>
-                                          <p:spTgt spid="5"/>
-                                        </p:tgtEl>
-                                        <p:attrNameLst>
-                                          <p:attrName>style.visibility</p:attrName>
-                                        </p:attrNameLst>
-                                      </p:cBhvr>
-                                      <p:to>
-                                        <p:strVal val="visible"/>
-                                      </p:to>
-                                    </p:set>
-                                    <p:animEffect transition="in" filter="fade">
-                                      <p:cBhvr>
-                                        <p:cTn id="7" dur="500"/>
-                                        <p:tgtEl>
-                                          <p:spTgt spid="5"/>
-                                        </p:tgtEl>
-                                      </p:cBhvr>
-                                    </p:animEffect>
-                                  </p:childTnLst>
-                                </p:cTn>
-                              </p:par>
-                            </p:childTnLst>
-                          </p:cTn>
-                        </p:par>
-                      </p:childTnLst>
-                    </p:cTn>
-                  </p:par>
-                  <p:par>
-                    <p:cTn id="8" fill="hold">
-                      <p:stCondLst>
-                        <p:cond delay="indefinite"/>
-                      </p:stCondLst>
-                      <p:childTnLst>
-                        <p:par>
-                          <p:cTn id="9" fill="hold">
-                            <p:stCondLst>
-                              <p:cond delay="0"/>
-                            </p:stCondLst>
-                            <p:childTnLst>
-                              <p:par>
-                                <p:cTn id="10" presetID="10" presetClass="entr" presetSubtype="0" fill="hold" grpId="0" nodeType="clickEffect">
-                                  <p:stCondLst>
-                                    <p:cond delay="0"/>
-                                  </p:stCondLst>
-                                  <p:childTnLst>
-                                    <p:set>
-                                      <p:cBhvr>
-                                        <p:cTn id="11" dur="1" fill="hold">
-                                          <p:stCondLst>
-                                            <p:cond delay="0"/>
-                                          </p:stCondLst>
-                                        </p:cTn>
-                                        <p:tgtEl>
-                                          <p:spTgt spid="3"/>
-                                        </p:tgtEl>
-                                        <p:attrNameLst>
-                                          <p:attrName>style.visibility</p:attrName>
-                                        </p:attrNameLst>
-                                      </p:cBhvr>
-                                      <p:to>
-                                        <p:strVal val="visible"/>
-                                      </p:to>
-                                    </p:set>
-                                    <p:animEffect transition="in" filter="fade">
-                                      <p:cBhvr>
-                                        <p:cTn id="12" dur="500"/>
-                                        <p:tgtEl>
-                                          <p:spTgt spid="3"/>
-                                        </p:tgtEl>
-                                      </p:cBhvr>
-                                    </p:animEffect>
-                                  </p:childTnLst>
-                                </p:cTn>
-                              </p:par>
-                            </p:childTnLst>
-                          </p:cTn>
-                        </p:par>
-                      </p:childTnLst>
-                    </p:cTn>
-                  </p:par>
-                </p:childTnLst>
-              </p:cTn>
-              <p:prevCondLst>
-                <p:cond evt="onPrev" delay="0">
-                  <p:tgtEl>
-                    <p:sldTgt/>
-                  </p:tgtEl>
-                </p:cond>
-              </p:prevCondLst>
-              <p:nextCondLst>
-                <p:cond evt="onNext" delay="0">
-                  <p:tgtEl>
-                    <p:sldTgt/>
-                  </p:tgtEl>
-                </p:cond>
-              </p:nextCondLst>
-            </p:seq>
-          </p:childTnLst>
-        </p:cTn>
-      </p:par>
-    </p:tnLst>
-    <p:bldLst>
-      <p:bldP spid="3" grpId="0" animBg="1"/>
-    </p:bldLst>
-  </p:timing>
-</p:sld>
-</file>
-
 <file path=ppt/slides/slide14.xml><?xml version="1.0" encoding="utf-8"?>
 <p:sld xmlns:a="http://schemas.openxmlformats.org/drawingml/2006/main" xmlns:r="http://schemas.openxmlformats.org/officeDocument/2006/relationships" xmlns:p="http://schemas.openxmlformats.org/presentationml/2006/main">
   <p:cSld>
@@ -10509,7 +10997,7 @@
           <a:p>
             <a:r>
               <a:rPr lang="zh-CN" altLang="en-US" dirty="0"/>
-              <a:t>价格在一定规则下自发形成</a:t>
+              <a:t>案例：价格如何形成</a:t>
             </a:r>
           </a:p>
         </p:txBody>
@@ -10531,10 +11019,11 @@
           </a:bodyPr>
           <a:lstStyle/>
           <a:p>
-            <a:pPr>
+            <a:pPr marL="0" indent="0">
               <a:lnSpc>
                 <a:spcPct val="120000"/>
               </a:lnSpc>
+              <a:buNone/>
             </a:pPr>
             <a:r>
               <a:rPr lang="zh-CN" altLang="en-US" dirty="0"/>
@@ -10712,14 +11201,21 @@
         </p:nvSpPr>
         <p:spPr>
           <a:xfrm>
-            <a:off x="1269876" y="1556792"/>
-            <a:ext cx="5077040" cy="4572000"/>
+            <a:off x="1269875" y="1556792"/>
+            <a:ext cx="5472575" cy="4572000"/>
           </a:xfrm>
         </p:spPr>
         <p:txBody>
-          <a:bodyPr/>
+          <a:bodyPr>
+            <a:normAutofit fontScale="85000" lnSpcReduction="10000"/>
+          </a:bodyPr>
           <a:lstStyle/>
           <a:p>
+            <a:pPr>
+              <a:lnSpc>
+                <a:spcPct val="140000"/>
+              </a:lnSpc>
+            </a:pPr>
             <a:r>
               <a:rPr lang="zh-CN" altLang="en-US" dirty="0"/>
               <a:t>为了模型更加有用，模型通常需要以</a:t>
@@ -10739,22 +11235,35 @@
             <a:endParaRPr lang="en-US" altLang="zh-CN" dirty="0"/>
           </a:p>
           <a:p>
-            <a:pPr lvl="1"/>
+            <a:pPr lvl="1">
+              <a:lnSpc>
+                <a:spcPct val="140000"/>
+              </a:lnSpc>
+            </a:pPr>
             <a:r>
               <a:rPr lang="zh-CN" altLang="en-US" dirty="0"/>
-              <a:t>决策：根据决策规则所得到的结果</a:t>
+              <a:t>决策规则：指参与人可用的信息以及使用方式。</a:t>
             </a:r>
             <a:endParaRPr lang="en-US" altLang="zh-CN" dirty="0"/>
           </a:p>
           <a:p>
-            <a:pPr lvl="1"/>
+            <a:pPr lvl="1">
+              <a:lnSpc>
+                <a:spcPct val="140000"/>
+              </a:lnSpc>
+            </a:pPr>
             <a:r>
               <a:rPr lang="zh-CN" altLang="en-US" dirty="0"/>
-              <a:t>决策规则：指决策制定者可用的信息以及使用方式。</a:t>
+              <a:t>决策：参与人根据决策规则所得到的结果</a:t>
             </a:r>
             <a:endParaRPr lang="en-US" altLang="zh-CN" dirty="0"/>
           </a:p>
           <a:p>
+            <a:pPr>
+              <a:lnSpc>
+                <a:spcPct val="140000"/>
+              </a:lnSpc>
+            </a:pPr>
             <a:r>
               <a:rPr lang="zh-CN" altLang="en-US" dirty="0"/>
               <a:t>任何系统都包含两个基本部分</a:t>
@@ -10762,7 +11271,11 @@
             <a:endParaRPr lang="en-US" altLang="zh-CN" dirty="0"/>
           </a:p>
           <a:p>
-            <a:pPr lvl="1"/>
+            <a:pPr lvl="1">
+              <a:lnSpc>
+                <a:spcPct val="140000"/>
+              </a:lnSpc>
+            </a:pPr>
             <a:r>
               <a:rPr lang="zh-CN" altLang="en-US" dirty="0"/>
               <a:t>系统的物理结构和制度结构</a:t>
@@ -10770,7 +11283,11 @@
             <a:endParaRPr lang="en-US" altLang="zh-CN" dirty="0"/>
           </a:p>
           <a:p>
-            <a:pPr lvl="1"/>
+            <a:pPr lvl="1">
+              <a:lnSpc>
+                <a:spcPct val="140000"/>
+              </a:lnSpc>
+            </a:pPr>
             <a:r>
               <a:rPr lang="zh-CN" altLang="en-US" dirty="0"/>
               <a:t>行为者的决策规则</a:t>
@@ -10804,7 +11321,7 @@
         </p:blipFill>
         <p:spPr>
           <a:xfrm>
-            <a:off x="6502345" y="3089568"/>
+            <a:off x="6481213" y="2010520"/>
             <a:ext cx="5752292" cy="3664544"/>
           </a:xfrm>
           <a:prstGeom prst="rect">
@@ -10826,7 +11343,7 @@
         </p:nvSpPr>
         <p:spPr>
           <a:xfrm>
-            <a:off x="6742451" y="1732510"/>
+            <a:off x="6742450" y="5732651"/>
             <a:ext cx="4493538" cy="338554"/>
           </a:xfrm>
           <a:prstGeom prst="rect">
@@ -10867,7 +11384,7 @@
         </p:nvSpPr>
         <p:spPr>
           <a:xfrm>
-            <a:off x="6742484" y="2182112"/>
+            <a:off x="6742484" y="1700808"/>
             <a:ext cx="4633753" cy="584775"/>
           </a:xfrm>
           <a:prstGeom prst="rect">
@@ -11576,7 +12093,7 @@
                 <a:latin typeface="华文楷体" panose="02010600040101010101" pitchFamily="2" charset="-122"/>
                 <a:ea typeface="华文楷体" panose="02010600040101010101" pitchFamily="2" charset="-122"/>
               </a:rPr>
-              <a:t>：观察下半部分变量关系</a:t>
+              <a:t>：观察下半部分决策规则</a:t>
             </a:r>
           </a:p>
         </p:txBody>
@@ -11636,7 +12153,7 @@
                 <a:latin typeface="华文楷体" panose="02010600040101010101" pitchFamily="2" charset="-122"/>
                 <a:ea typeface="华文楷体" panose="02010600040101010101" pitchFamily="2" charset="-122"/>
               </a:rPr>
-              <a:t>：观察速率流量的构成</a:t>
+              <a:t>：观察流量存量的构成</a:t>
             </a:r>
           </a:p>
         </p:txBody>
@@ -12549,6 +13066,12 @@
           <a:bodyPr/>
           <a:lstStyle/>
           <a:p>
+            <a:pPr marL="0" indent="0">
+              <a:lnSpc>
+                <a:spcPct val="140000"/>
+              </a:lnSpc>
+              <a:buNone/>
+            </a:pPr>
             <a:r>
               <a:rPr lang="zh-CN" altLang="en-US" dirty="0"/>
               <a:t>不同类型的速率方程对应了对存量管理方式的不同，也对应了决策规则制定的差异</a:t>
@@ -12557,6 +13080,9 @@
           </a:p>
           <a:p>
             <a:pPr marL="514350" indent="-514350">
+              <a:lnSpc>
+                <a:spcPct val="140000"/>
+              </a:lnSpc>
               <a:buFont typeface="+mj-lt"/>
               <a:buAutoNum type="arabicPeriod"/>
             </a:pPr>
@@ -12649,7 +13175,7 @@
         <p:spPr>
           <a:xfrm>
             <a:off x="1557908" y="332656"/>
-            <a:ext cx="9782801" cy="4572000"/>
+            <a:ext cx="9782801" cy="576064"/>
           </a:xfrm>
         </p:spPr>
         <p:txBody>
@@ -12674,28 +13200,6 @@
               <a:buFont typeface="+mj-lt"/>
               <a:buAutoNum type="arabicPeriod"/>
             </a:pPr>
-            <a:r>
-              <a:rPr lang="zh-CN" altLang="en-US" dirty="0"/>
-              <a:t>增长（减少）速率的变化比例</a:t>
-            </a:r>
-            <a:endParaRPr lang="en-US" altLang="zh-CN" dirty="0"/>
-          </a:p>
-          <a:p>
-            <a:pPr marL="514350" indent="-514350">
-              <a:buFont typeface="+mj-lt"/>
-              <a:buAutoNum type="arabicPeriod"/>
-            </a:pPr>
-            <a:endParaRPr lang="en-US" altLang="zh-CN" dirty="0"/>
-          </a:p>
-          <a:p>
-            <a:pPr marL="514350" indent="-514350">
-              <a:buFont typeface="+mj-lt"/>
-              <a:buAutoNum type="arabicPeriod"/>
-            </a:pPr>
-            <a:r>
-              <a:rPr lang="zh-CN" altLang="en-US" dirty="0"/>
-              <a:t>对目标的调整</a:t>
-            </a:r>
             <a:endParaRPr lang="en-US" altLang="zh-CN" dirty="0"/>
           </a:p>
           <a:p>
@@ -12733,122 +13237,6 @@
           </a:prstGeom>
         </p:spPr>
       </p:pic>
-      <p:sp>
-        <p:nvSpPr>
-          <p:cNvPr id="5" name="文本框 4">
-            <a:extLst>
-              <a:ext uri="{FF2B5EF4-FFF2-40B4-BE49-F238E27FC236}">
-                <a16:creationId xmlns:a16="http://schemas.microsoft.com/office/drawing/2014/main" id="{F5792CE0-EF01-AD43-B59F-841D7C7ADBC8}"/>
-              </a:ext>
-            </a:extLst>
-          </p:cNvPr>
-          <p:cNvSpPr txBox="1"/>
-          <p:nvPr/>
-        </p:nvSpPr>
-        <p:spPr>
-          <a:xfrm>
-            <a:off x="2133972" y="1946310"/>
-            <a:ext cx="726481" cy="369332"/>
-          </a:xfrm>
-          <a:prstGeom prst="rect">
-            <a:avLst/>
-          </a:prstGeom>
-          <a:noFill/>
-        </p:spPr>
-        <p:txBody>
-          <a:bodyPr wrap="none" rtlCol="0">
-            <a:spAutoFit/>
-          </a:bodyPr>
-          <a:lstStyle/>
-          <a:p>
-            <a:r>
-              <a:rPr lang="en-US" altLang="zh-CN" i="1" dirty="0"/>
-              <a:t>R=</a:t>
-            </a:r>
-            <a:r>
-              <a:rPr lang="en-US" altLang="zh-CN" i="1" dirty="0" err="1"/>
-              <a:t>gS</a:t>
-            </a:r>
-            <a:endParaRPr lang="zh-CN" altLang="en-US" i="1" dirty="0"/>
-          </a:p>
-        </p:txBody>
-      </p:sp>
-      <p:sp>
-        <p:nvSpPr>
-          <p:cNvPr id="6" name="文本框 5">
-            <a:extLst>
-              <a:ext uri="{FF2B5EF4-FFF2-40B4-BE49-F238E27FC236}">
-                <a16:creationId xmlns:a16="http://schemas.microsoft.com/office/drawing/2014/main" id="{9D2C1927-F9FD-6D47-B759-C92F39DF559B}"/>
-              </a:ext>
-            </a:extLst>
-          </p:cNvPr>
-          <p:cNvSpPr txBox="1"/>
-          <p:nvPr/>
-        </p:nvSpPr>
-        <p:spPr>
-          <a:xfrm>
-            <a:off x="1989956" y="3425483"/>
-            <a:ext cx="3461140" cy="369332"/>
-          </a:xfrm>
-          <a:prstGeom prst="rect">
-            <a:avLst/>
-          </a:prstGeom>
-          <a:noFill/>
-        </p:spPr>
-        <p:txBody>
-          <a:bodyPr wrap="none" rtlCol="0">
-            <a:spAutoFit/>
-          </a:bodyPr>
-          <a:lstStyle/>
-          <a:p>
-            <a:r>
-              <a:rPr lang="en-US" altLang="zh-CN" dirty="0"/>
-              <a:t>R=</a:t>
-            </a:r>
-            <a:r>
-              <a:rPr lang="zh-CN" altLang="en-US" dirty="0"/>
-              <a:t>差异</a:t>
-            </a:r>
-            <a:r>
-              <a:rPr lang="en-US" altLang="zh-CN" dirty="0"/>
-              <a:t>/</a:t>
-            </a:r>
-            <a:r>
-              <a:rPr lang="zh-CN" altLang="en-US" dirty="0"/>
-              <a:t>调整时间</a:t>
-            </a:r>
-            <a:r>
-              <a:rPr lang="en-US" altLang="zh-CN" dirty="0"/>
-              <a:t>=</a:t>
-            </a:r>
-            <a:r>
-              <a:rPr lang="zh-CN" altLang="en-US" dirty="0"/>
-              <a:t>（</a:t>
-            </a:r>
-            <a:r>
-              <a:rPr lang="en-US" altLang="zh-CN" dirty="0"/>
-              <a:t>S</a:t>
-            </a:r>
-            <a:r>
-              <a:rPr lang="zh-CN" altLang="en-US" dirty="0"/>
-              <a:t>*</a:t>
-            </a:r>
-            <a:r>
-              <a:rPr lang="en-US" altLang="zh-CN" dirty="0"/>
-              <a:t>-S</a:t>
-            </a:r>
-            <a:r>
-              <a:rPr lang="zh-CN" altLang="en-US" dirty="0"/>
-              <a:t>）</a:t>
-            </a:r>
-            <a:r>
-              <a:rPr lang="en-US" altLang="zh-CN" dirty="0"/>
-              <a:t>/AT</a:t>
-            </a:r>
-            <a:endParaRPr lang="zh-CN" altLang="en-US" dirty="0"/>
-          </a:p>
-        </p:txBody>
-      </p:sp>
       <p:pic>
         <p:nvPicPr>
           <p:cNvPr id="8" name="图片 7">
@@ -12879,6 +13267,277 @@
           </a:prstGeom>
         </p:spPr>
       </p:pic>
+      <p:grpSp>
+        <p:nvGrpSpPr>
+          <p:cNvPr id="10" name="组合 9">
+            <a:extLst>
+              <a:ext uri="{FF2B5EF4-FFF2-40B4-BE49-F238E27FC236}">
+                <a16:creationId xmlns:a16="http://schemas.microsoft.com/office/drawing/2014/main" id="{30214D36-E309-9C4A-A817-689EAC593999}"/>
+              </a:ext>
+            </a:extLst>
+          </p:cNvPr>
+          <p:cNvGrpSpPr/>
+          <p:nvPr/>
+        </p:nvGrpSpPr>
+        <p:grpSpPr>
+          <a:xfrm>
+            <a:off x="1860690" y="1637427"/>
+            <a:ext cx="4705134" cy="1018288"/>
+            <a:chOff x="1868096" y="1472426"/>
+            <a:chExt cx="4705134" cy="1018288"/>
+          </a:xfrm>
+        </p:grpSpPr>
+        <p:sp>
+          <p:nvSpPr>
+            <p:cNvPr id="5" name="文本框 4">
+              <a:extLst>
+                <a:ext uri="{FF2B5EF4-FFF2-40B4-BE49-F238E27FC236}">
+                  <a16:creationId xmlns:a16="http://schemas.microsoft.com/office/drawing/2014/main" id="{F5792CE0-EF01-AD43-B59F-841D7C7ADBC8}"/>
+                </a:ext>
+              </a:extLst>
+            </p:cNvPr>
+            <p:cNvSpPr txBox="1"/>
+            <p:nvPr/>
+          </p:nvSpPr>
+          <p:spPr>
+            <a:xfrm>
+              <a:off x="2566020" y="2090604"/>
+              <a:ext cx="785793" cy="400110"/>
+            </a:xfrm>
+            <a:prstGeom prst="rect">
+              <a:avLst/>
+            </a:prstGeom>
+            <a:noFill/>
+          </p:spPr>
+          <p:txBody>
+            <a:bodyPr wrap="none" rtlCol="0">
+              <a:spAutoFit/>
+            </a:bodyPr>
+            <a:lstStyle/>
+            <a:p>
+              <a:r>
+                <a:rPr lang="en-US" altLang="zh-CN" sz="2000" i="1" dirty="0"/>
+                <a:t>R=</a:t>
+              </a:r>
+              <a:r>
+                <a:rPr lang="en-US" altLang="zh-CN" sz="2000" i="1" dirty="0" err="1"/>
+                <a:t>gS</a:t>
+              </a:r>
+              <a:endParaRPr lang="zh-CN" altLang="en-US" sz="2000" i="1" dirty="0"/>
+            </a:p>
+          </p:txBody>
+        </p:sp>
+        <p:sp>
+          <p:nvSpPr>
+            <p:cNvPr id="2" name="矩形 1">
+              <a:extLst>
+                <a:ext uri="{FF2B5EF4-FFF2-40B4-BE49-F238E27FC236}">
+                  <a16:creationId xmlns:a16="http://schemas.microsoft.com/office/drawing/2014/main" id="{4030B288-A155-184C-872F-994637CD1456}"/>
+                </a:ext>
+              </a:extLst>
+            </p:cNvPr>
+            <p:cNvSpPr/>
+            <p:nvPr/>
+          </p:nvSpPr>
+          <p:spPr>
+            <a:xfrm>
+              <a:off x="1868096" y="1472426"/>
+              <a:ext cx="4705134" cy="461665"/>
+            </a:xfrm>
+            <a:prstGeom prst="rect">
+              <a:avLst/>
+            </a:prstGeom>
+          </p:spPr>
+          <p:txBody>
+            <a:bodyPr wrap="none">
+              <a:spAutoFit/>
+            </a:bodyPr>
+            <a:lstStyle/>
+            <a:p>
+              <a:pPr marL="514350" indent="-514350">
+                <a:buFont typeface="+mj-lt"/>
+                <a:buAutoNum type="arabicPeriod"/>
+              </a:pPr>
+              <a:r>
+                <a:rPr lang="zh-CN" altLang="en-US" sz="2400" dirty="0"/>
+                <a:t>增长（减少）速率的变化比例</a:t>
+              </a:r>
+              <a:endParaRPr lang="en-US" altLang="zh-CN" sz="2400" dirty="0"/>
+            </a:p>
+          </p:txBody>
+        </p:sp>
+      </p:grpSp>
+      <p:grpSp>
+        <p:nvGrpSpPr>
+          <p:cNvPr id="9" name="组合 8">
+            <a:extLst>
+              <a:ext uri="{FF2B5EF4-FFF2-40B4-BE49-F238E27FC236}">
+                <a16:creationId xmlns:a16="http://schemas.microsoft.com/office/drawing/2014/main" id="{D52AFC1F-4F90-1048-9A35-A560E50745A3}"/>
+              </a:ext>
+            </a:extLst>
+          </p:cNvPr>
+          <p:cNvGrpSpPr/>
+          <p:nvPr/>
+        </p:nvGrpSpPr>
+        <p:grpSpPr>
+          <a:xfrm>
+            <a:off x="1796597" y="3698731"/>
+            <a:ext cx="4526954" cy="1099443"/>
+            <a:chOff x="1860690" y="2789937"/>
+            <a:chExt cx="4526954" cy="1099443"/>
+          </a:xfrm>
+        </p:grpSpPr>
+        <p:sp>
+          <p:nvSpPr>
+            <p:cNvPr id="6" name="文本框 5">
+              <a:extLst>
+                <a:ext uri="{FF2B5EF4-FFF2-40B4-BE49-F238E27FC236}">
+                  <a16:creationId xmlns:a16="http://schemas.microsoft.com/office/drawing/2014/main" id="{9D2C1927-F9FD-6D47-B759-C92F39DF559B}"/>
+                </a:ext>
+              </a:extLst>
+            </p:cNvPr>
+            <p:cNvSpPr txBox="1"/>
+            <p:nvPr/>
+          </p:nvSpPr>
+          <p:spPr>
+            <a:xfrm>
+              <a:off x="2566020" y="3489270"/>
+              <a:ext cx="3821624" cy="400110"/>
+            </a:xfrm>
+            <a:prstGeom prst="rect">
+              <a:avLst/>
+            </a:prstGeom>
+            <a:noFill/>
+          </p:spPr>
+          <p:txBody>
+            <a:bodyPr wrap="none" rtlCol="0">
+              <a:spAutoFit/>
+            </a:bodyPr>
+            <a:lstStyle/>
+            <a:p>
+              <a:r>
+                <a:rPr lang="en-US" altLang="zh-CN" sz="2000" dirty="0"/>
+                <a:t>R=</a:t>
+              </a:r>
+              <a:r>
+                <a:rPr lang="zh-CN" altLang="en-US" sz="2000" dirty="0"/>
+                <a:t>差异</a:t>
+              </a:r>
+              <a:r>
+                <a:rPr lang="en-US" altLang="zh-CN" sz="2000" dirty="0"/>
+                <a:t>/</a:t>
+              </a:r>
+              <a:r>
+                <a:rPr lang="zh-CN" altLang="en-US" sz="2000" dirty="0"/>
+                <a:t>调整时间</a:t>
+              </a:r>
+              <a:r>
+                <a:rPr lang="en-US" altLang="zh-CN" sz="2000" dirty="0"/>
+                <a:t>=</a:t>
+              </a:r>
+              <a:r>
+                <a:rPr lang="zh-CN" altLang="en-US" sz="2000" dirty="0"/>
+                <a:t>（</a:t>
+              </a:r>
+              <a:r>
+                <a:rPr lang="en-US" altLang="zh-CN" sz="2000" dirty="0"/>
+                <a:t>S</a:t>
+              </a:r>
+              <a:r>
+                <a:rPr lang="zh-CN" altLang="en-US" sz="2000" dirty="0"/>
+                <a:t>*</a:t>
+              </a:r>
+              <a:r>
+                <a:rPr lang="en-US" altLang="zh-CN" sz="2000" dirty="0"/>
+                <a:t>-S</a:t>
+              </a:r>
+              <a:r>
+                <a:rPr lang="zh-CN" altLang="en-US" sz="2000" dirty="0"/>
+                <a:t>）</a:t>
+              </a:r>
+              <a:r>
+                <a:rPr lang="en-US" altLang="zh-CN" sz="2000" dirty="0"/>
+                <a:t>/AT</a:t>
+              </a:r>
+              <a:endParaRPr lang="zh-CN" altLang="en-US" sz="2000" dirty="0"/>
+            </a:p>
+          </p:txBody>
+        </p:sp>
+        <p:sp>
+          <p:nvSpPr>
+            <p:cNvPr id="7" name="矩形 6">
+              <a:extLst>
+                <a:ext uri="{FF2B5EF4-FFF2-40B4-BE49-F238E27FC236}">
+                  <a16:creationId xmlns:a16="http://schemas.microsoft.com/office/drawing/2014/main" id="{D45A7740-6AD9-2147-80D2-E1A3142C5A60}"/>
+                </a:ext>
+              </a:extLst>
+            </p:cNvPr>
+            <p:cNvSpPr/>
+            <p:nvPr/>
+          </p:nvSpPr>
+          <p:spPr>
+            <a:xfrm>
+              <a:off x="1860690" y="2789937"/>
+              <a:ext cx="2242922" cy="400110"/>
+            </a:xfrm>
+            <a:prstGeom prst="rect">
+              <a:avLst/>
+            </a:prstGeom>
+          </p:spPr>
+          <p:txBody>
+            <a:bodyPr wrap="none">
+              <a:spAutoFit/>
+            </a:bodyPr>
+            <a:lstStyle/>
+            <a:p>
+              <a:pPr marL="514350" indent="-514350">
+                <a:buFont typeface="+mj-lt"/>
+                <a:buAutoNum type="arabicPeriod" startAt="2"/>
+              </a:pPr>
+              <a:r>
+                <a:rPr lang="zh-CN" altLang="en-US" sz="2000" dirty="0"/>
+                <a:t>对目标的调整</a:t>
+              </a:r>
+              <a:endParaRPr lang="en-US" altLang="zh-CN" sz="2000" dirty="0"/>
+            </a:p>
+          </p:txBody>
+        </p:sp>
+      </p:grpSp>
+      <p:sp>
+        <p:nvSpPr>
+          <p:cNvPr id="11" name="文本框 10">
+            <a:extLst>
+              <a:ext uri="{FF2B5EF4-FFF2-40B4-BE49-F238E27FC236}">
+                <a16:creationId xmlns:a16="http://schemas.microsoft.com/office/drawing/2014/main" id="{95A3D580-8F2C-4941-89C5-9DDA2F8292C2}"/>
+              </a:ext>
+            </a:extLst>
+          </p:cNvPr>
+          <p:cNvSpPr txBox="1"/>
+          <p:nvPr/>
+        </p:nvSpPr>
+        <p:spPr>
+          <a:xfrm>
+            <a:off x="1600874" y="477510"/>
+            <a:ext cx="4185761" cy="461665"/>
+          </a:xfrm>
+          <a:prstGeom prst="rect">
+            <a:avLst/>
+          </a:prstGeom>
+          <a:noFill/>
+        </p:spPr>
+        <p:txBody>
+          <a:bodyPr wrap="none" rtlCol="0">
+            <a:spAutoFit/>
+          </a:bodyPr>
+          <a:lstStyle/>
+          <a:p>
+            <a:r>
+              <a:rPr kumimoji="1" lang="zh-CN" altLang="en-US" sz="2400" b="1" dirty="0"/>
+              <a:t>比率调整速度的流量控制结构</a:t>
+            </a:r>
+          </a:p>
+        </p:txBody>
+      </p:sp>
     </p:spTree>
     <p:extLst>
       <p:ext uri="{BB962C8B-B14F-4D97-AF65-F5344CB8AC3E}">
@@ -12901,6 +13560,248 @@
       </p:transition>
     </mc:Fallback>
   </mc:AlternateContent>
+  <p:timing>
+    <p:tnLst>
+      <p:par>
+        <p:cTn id="1" dur="indefinite" restart="never" nodeType="tmRoot">
+          <p:childTnLst>
+            <p:seq concurrent="1" nextAc="seek">
+              <p:cTn id="2" dur="indefinite" nodeType="mainSeq">
+                <p:childTnLst>
+                  <p:par>
+                    <p:cTn id="3" fill="hold">
+                      <p:stCondLst>
+                        <p:cond delay="indefinite"/>
+                      </p:stCondLst>
+                      <p:childTnLst>
+                        <p:par>
+                          <p:cTn id="4" fill="hold">
+                            <p:stCondLst>
+                              <p:cond delay="0"/>
+                            </p:stCondLst>
+                            <p:childTnLst>
+                              <p:par>
+                                <p:cTn id="5" presetID="10" presetClass="entr" presetSubtype="0" fill="hold" nodeType="clickEffect">
+                                  <p:stCondLst>
+                                    <p:cond delay="0"/>
+                                  </p:stCondLst>
+                                  <p:childTnLst>
+                                    <p:set>
+                                      <p:cBhvr>
+                                        <p:cTn id="6" dur="1" fill="hold">
+                                          <p:stCondLst>
+                                            <p:cond delay="0"/>
+                                          </p:stCondLst>
+                                        </p:cTn>
+                                        <p:tgtEl>
+                                          <p:spTgt spid="10"/>
+                                        </p:tgtEl>
+                                        <p:attrNameLst>
+                                          <p:attrName>style.visibility</p:attrName>
+                                        </p:attrNameLst>
+                                      </p:cBhvr>
+                                      <p:to>
+                                        <p:strVal val="visible"/>
+                                      </p:to>
+                                    </p:set>
+                                    <p:animEffect transition="in" filter="fade">
+                                      <p:cBhvr>
+                                        <p:cTn id="7" dur="500"/>
+                                        <p:tgtEl>
+                                          <p:spTgt spid="10"/>
+                                        </p:tgtEl>
+                                      </p:cBhvr>
+                                    </p:animEffect>
+                                  </p:childTnLst>
+                                </p:cTn>
+                              </p:par>
+                            </p:childTnLst>
+                          </p:cTn>
+                        </p:par>
+                      </p:childTnLst>
+                    </p:cTn>
+                  </p:par>
+                  <p:par>
+                    <p:cTn id="8" fill="hold">
+                      <p:stCondLst>
+                        <p:cond delay="indefinite"/>
+                      </p:stCondLst>
+                      <p:childTnLst>
+                        <p:par>
+                          <p:cTn id="9" fill="hold">
+                            <p:stCondLst>
+                              <p:cond delay="0"/>
+                            </p:stCondLst>
+                            <p:childTnLst>
+                              <p:par>
+                                <p:cTn id="10" presetID="10" presetClass="entr" presetSubtype="0" fill="hold" nodeType="clickEffect">
+                                  <p:stCondLst>
+                                    <p:cond delay="0"/>
+                                  </p:stCondLst>
+                                  <p:childTnLst>
+                                    <p:set>
+                                      <p:cBhvr>
+                                        <p:cTn id="11" dur="1" fill="hold">
+                                          <p:stCondLst>
+                                            <p:cond delay="0"/>
+                                          </p:stCondLst>
+                                        </p:cTn>
+                                        <p:tgtEl>
+                                          <p:spTgt spid="4"/>
+                                        </p:tgtEl>
+                                        <p:attrNameLst>
+                                          <p:attrName>style.visibility</p:attrName>
+                                        </p:attrNameLst>
+                                      </p:cBhvr>
+                                      <p:to>
+                                        <p:strVal val="visible"/>
+                                      </p:to>
+                                    </p:set>
+                                    <p:animEffect transition="in" filter="fade">
+                                      <p:cBhvr>
+                                        <p:cTn id="12" dur="500"/>
+                                        <p:tgtEl>
+                                          <p:spTgt spid="4"/>
+                                        </p:tgtEl>
+                                      </p:cBhvr>
+                                    </p:animEffect>
+                                  </p:childTnLst>
+                                </p:cTn>
+                              </p:par>
+                            </p:childTnLst>
+                          </p:cTn>
+                        </p:par>
+                      </p:childTnLst>
+                    </p:cTn>
+                  </p:par>
+                  <p:par>
+                    <p:cTn id="13" fill="hold">
+                      <p:stCondLst>
+                        <p:cond delay="indefinite"/>
+                      </p:stCondLst>
+                      <p:childTnLst>
+                        <p:par>
+                          <p:cTn id="14" fill="hold">
+                            <p:stCondLst>
+                              <p:cond delay="0"/>
+                            </p:stCondLst>
+                            <p:childTnLst>
+                              <p:par>
+                                <p:cTn id="15" presetID="10" presetClass="entr" presetSubtype="0" fill="hold" nodeType="clickEffect">
+                                  <p:stCondLst>
+                                    <p:cond delay="0"/>
+                                  </p:stCondLst>
+                                  <p:childTnLst>
+                                    <p:set>
+                                      <p:cBhvr>
+                                        <p:cTn id="16" dur="1" fill="hold">
+                                          <p:stCondLst>
+                                            <p:cond delay="0"/>
+                                          </p:stCondLst>
+                                        </p:cTn>
+                                        <p:tgtEl>
+                                          <p:spTgt spid="9"/>
+                                        </p:tgtEl>
+                                        <p:attrNameLst>
+                                          <p:attrName>style.visibility</p:attrName>
+                                        </p:attrNameLst>
+                                      </p:cBhvr>
+                                      <p:to>
+                                        <p:strVal val="visible"/>
+                                      </p:to>
+                                    </p:set>
+                                    <p:animEffect transition="in" filter="fade">
+                                      <p:cBhvr>
+                                        <p:cTn id="17" dur="500"/>
+                                        <p:tgtEl>
+                                          <p:spTgt spid="9"/>
+                                        </p:tgtEl>
+                                      </p:cBhvr>
+                                    </p:animEffect>
+                                  </p:childTnLst>
+                                </p:cTn>
+                              </p:par>
+                            </p:childTnLst>
+                          </p:cTn>
+                        </p:par>
+                      </p:childTnLst>
+                    </p:cTn>
+                  </p:par>
+                  <p:par>
+                    <p:cTn id="18" fill="hold">
+                      <p:stCondLst>
+                        <p:cond delay="indefinite"/>
+                      </p:stCondLst>
+                      <p:childTnLst>
+                        <p:par>
+                          <p:cTn id="19" fill="hold">
+                            <p:stCondLst>
+                              <p:cond delay="0"/>
+                            </p:stCondLst>
+                            <p:childTnLst>
+                              <p:par>
+                                <p:cTn id="20" presetID="10" presetClass="entr" presetSubtype="0" fill="hold" nodeType="clickEffect">
+                                  <p:stCondLst>
+                                    <p:cond delay="0"/>
+                                  </p:stCondLst>
+                                  <p:childTnLst>
+                                    <p:set>
+                                      <p:cBhvr>
+                                        <p:cTn id="21" dur="1" fill="hold">
+                                          <p:stCondLst>
+                                            <p:cond delay="0"/>
+                                          </p:stCondLst>
+                                        </p:cTn>
+                                        <p:tgtEl>
+                                          <p:spTgt spid="8"/>
+                                        </p:tgtEl>
+                                        <p:attrNameLst>
+                                          <p:attrName>style.visibility</p:attrName>
+                                        </p:attrNameLst>
+                                      </p:cBhvr>
+                                      <p:to>
+                                        <p:strVal val="visible"/>
+                                      </p:to>
+                                    </p:set>
+                                    <p:animEffect transition="in" filter="fade">
+                                      <p:cBhvr>
+                                        <p:cTn id="22" dur="500"/>
+                                        <p:tgtEl>
+                                          <p:spTgt spid="8"/>
+                                        </p:tgtEl>
+                                      </p:cBhvr>
+                                    </p:animEffect>
+                                  </p:childTnLst>
+                                </p:cTn>
+                              </p:par>
+                            </p:childTnLst>
+                          </p:cTn>
+                        </p:par>
+                      </p:childTnLst>
+                    </p:cTn>
+                  </p:par>
+                </p:childTnLst>
+              </p:cTn>
+              <p:prevCondLst>
+                <p:cond evt="onPrev" delay="0">
+                  <p:tgtEl>
+                    <p:sldTgt/>
+                  </p:tgtEl>
+                </p:cond>
+              </p:prevCondLst>
+              <p:nextCondLst>
+                <p:cond evt="onNext" delay="0">
+                  <p:tgtEl>
+                    <p:sldTgt/>
+                  </p:tgtEl>
+                </p:cond>
+              </p:nextCondLst>
+            </p:seq>
+          </p:childTnLst>
+        </p:cTn>
+      </p:par>
+    </p:tnLst>
+  </p:timing>
 </p:sld>
 </file>
 
@@ -12976,7 +13877,7 @@
         <p:spPr>
           <a:xfrm>
             <a:off x="1773932" y="1641566"/>
-            <a:ext cx="3004349" cy="646331"/>
+            <a:ext cx="3945311" cy="830997"/>
           </a:xfrm>
           <a:prstGeom prst="rect">
             <a:avLst/>
@@ -12989,49 +13890,49 @@
           <a:lstStyle/>
           <a:p>
             <a:r>
-              <a:rPr lang="zh-CN" altLang="en-US" dirty="0"/>
+              <a:rPr lang="zh-CN" altLang="en-US" sz="2400" dirty="0"/>
               <a:t>速率</a:t>
             </a:r>
             <a:r>
-              <a:rPr lang="en-US" altLang="zh-CN" dirty="0"/>
+              <a:rPr lang="en-US" altLang="zh-CN" sz="2400" dirty="0"/>
               <a:t>=</a:t>
             </a:r>
             <a:r>
-              <a:rPr lang="zh-CN" altLang="en-US" dirty="0"/>
+              <a:rPr lang="zh-CN" altLang="en-US" sz="2400" dirty="0"/>
               <a:t>正常速率</a:t>
             </a:r>
             <a:r>
-              <a:rPr lang="en-US" altLang="zh-CN" dirty="0"/>
+              <a:rPr lang="en-US" altLang="zh-CN" sz="2400" dirty="0"/>
               <a:t>+</a:t>
             </a:r>
             <a:r>
-              <a:rPr lang="zh-CN" altLang="en-US" dirty="0"/>
+              <a:rPr lang="zh-CN" altLang="en-US" sz="2400" dirty="0"/>
               <a:t>调整值</a:t>
             </a:r>
-            <a:endParaRPr lang="en-US" altLang="zh-CN" dirty="0"/>
-          </a:p>
-          <a:p>
-            <a:r>
-              <a:rPr lang="zh-CN" altLang="en-US" dirty="0"/>
+            <a:endParaRPr lang="en-US" altLang="zh-CN" sz="2400" dirty="0"/>
+          </a:p>
+          <a:p>
+            <a:r>
+              <a:rPr lang="zh-CN" altLang="en-US" sz="2400" dirty="0"/>
               <a:t>入流</a:t>
             </a:r>
             <a:r>
-              <a:rPr lang="en-US" altLang="zh-CN" dirty="0"/>
+              <a:rPr lang="en-US" altLang="zh-CN" sz="2400" dirty="0"/>
               <a:t>=</a:t>
             </a:r>
             <a:r>
-              <a:rPr lang="zh-CN" altLang="en-US" dirty="0"/>
+              <a:rPr lang="zh-CN" altLang="en-US" sz="2400" dirty="0"/>
               <a:t>期望出流</a:t>
             </a:r>
             <a:r>
-              <a:rPr lang="en-US" altLang="zh-CN" dirty="0"/>
+              <a:rPr lang="en-US" altLang="zh-CN" sz="2400" dirty="0"/>
               <a:t>+</a:t>
             </a:r>
             <a:r>
-              <a:rPr lang="zh-CN" altLang="en-US" dirty="0"/>
+              <a:rPr lang="zh-CN" altLang="en-US" sz="2400" dirty="0"/>
               <a:t>存量调整值</a:t>
             </a:r>
-            <a:endParaRPr lang="en-US" altLang="zh-CN" dirty="0"/>
+            <a:endParaRPr lang="en-US" altLang="zh-CN" sz="2400" dirty="0"/>
           </a:p>
         </p:txBody>
       </p:sp>
@@ -13043,8 +13944,8 @@
         </p:nvSpPr>
         <p:spPr>
           <a:xfrm>
-            <a:off x="1472057" y="3003071"/>
-            <a:ext cx="5334314" cy="1883144"/>
+            <a:off x="2349995" y="3064045"/>
+            <a:ext cx="8358651" cy="2480038"/>
           </a:xfrm>
           <a:prstGeom prst="rect">
             <a:avLst/>
@@ -13062,10 +13963,10 @@
               </a:lnSpc>
             </a:pPr>
             <a:r>
-              <a:rPr lang="zh-CN" altLang="en-US" dirty="0"/>
-              <a:t>例 供应链中的制作企业为了向客户不断交货，自身库存不断减少，为使库存维持在稳定水平，企业需要不断生产来弥补这个差额。</a:t>
-            </a:r>
-            <a:endParaRPr lang="en-US" altLang="zh-CN" dirty="0"/>
+              <a:rPr lang="zh-CN" altLang="en-US" sz="2400" dirty="0"/>
+              <a:t>例 供应链中的制造企业为了向客户不间断交货，自身库存持续下降，为使库存维持在稳定水平，企业需要不断生产来弥补这个差额。</a:t>
+            </a:r>
+            <a:endParaRPr lang="en-US" altLang="zh-CN" sz="2400" dirty="0"/>
           </a:p>
           <a:p>
             <a:pPr>
@@ -13073,7 +13974,7 @@
                 <a:spcPct val="110000"/>
               </a:lnSpc>
             </a:pPr>
-            <a:endParaRPr lang="en-US" altLang="zh-CN" dirty="0"/>
+            <a:endParaRPr lang="en-US" altLang="zh-CN" sz="2400" dirty="0"/>
           </a:p>
           <a:p>
             <a:pPr>
@@ -13082,41 +13983,41 @@
               </a:lnSpc>
             </a:pPr>
             <a:r>
-              <a:rPr lang="zh-CN" altLang="en-US" dirty="0">
+              <a:rPr lang="zh-CN" altLang="en-US" sz="2400" dirty="0">
                 <a:latin typeface="华文楷体" panose="02010600040101010101" pitchFamily="2" charset="-122"/>
                 <a:ea typeface="华文楷体" panose="02010600040101010101" pitchFamily="2" charset="-122"/>
               </a:rPr>
               <a:t>生产速率</a:t>
             </a:r>
             <a:r>
-              <a:rPr lang="en-US" altLang="zh-CN" dirty="0">
+              <a:rPr lang="en-US" altLang="zh-CN" sz="2400" dirty="0">
                 <a:latin typeface="华文楷体" panose="02010600040101010101" pitchFamily="2" charset="-122"/>
                 <a:ea typeface="华文楷体" panose="02010600040101010101" pitchFamily="2" charset="-122"/>
               </a:rPr>
               <a:t>=</a:t>
             </a:r>
             <a:r>
-              <a:rPr lang="zh-CN" altLang="en-US" dirty="0">
+              <a:rPr lang="zh-CN" altLang="en-US" sz="2400" dirty="0">
                 <a:latin typeface="华文楷体" panose="02010600040101010101" pitchFamily="2" charset="-122"/>
                 <a:ea typeface="华文楷体" panose="02010600040101010101" pitchFamily="2" charset="-122"/>
               </a:rPr>
               <a:t>预期交货速率</a:t>
             </a:r>
             <a:r>
-              <a:rPr lang="en-US" altLang="zh-CN" dirty="0">
+              <a:rPr lang="en-US" altLang="zh-CN" sz="2400" dirty="0">
                 <a:latin typeface="华文楷体" panose="02010600040101010101" pitchFamily="2" charset="-122"/>
                 <a:ea typeface="华文楷体" panose="02010600040101010101" pitchFamily="2" charset="-122"/>
               </a:rPr>
               <a:t>+</a:t>
             </a:r>
             <a:r>
-              <a:rPr lang="zh-CN" altLang="en-US" dirty="0">
+              <a:rPr lang="zh-CN" altLang="en-US" sz="2400" dirty="0">
                 <a:latin typeface="华文楷体" panose="02010600040101010101" pitchFamily="2" charset="-122"/>
                 <a:ea typeface="华文楷体" panose="02010600040101010101" pitchFamily="2" charset="-122"/>
               </a:rPr>
               <a:t>库存调整速率</a:t>
             </a:r>
-            <a:endParaRPr lang="en-US" altLang="zh-CN" dirty="0">
+            <a:endParaRPr lang="en-US" altLang="zh-CN" sz="2400" dirty="0">
               <a:latin typeface="华文楷体" panose="02010600040101010101" pitchFamily="2" charset="-122"/>
               <a:ea typeface="华文楷体" panose="02010600040101010101" pitchFamily="2" charset="-122"/>
             </a:endParaRPr>
@@ -13128,34 +14029,34 @@
               </a:lnSpc>
             </a:pPr>
             <a:r>
-              <a:rPr lang="zh-CN" altLang="en-US" dirty="0">
+              <a:rPr lang="zh-CN" altLang="en-US" sz="2400" dirty="0">
                 <a:latin typeface="华文楷体" panose="02010600040101010101" pitchFamily="2" charset="-122"/>
                 <a:ea typeface="华文楷体" panose="02010600040101010101" pitchFamily="2" charset="-122"/>
               </a:rPr>
               <a:t>预期交货速率</a:t>
             </a:r>
             <a:r>
-              <a:rPr lang="en-US" altLang="zh-CN" dirty="0">
+              <a:rPr lang="en-US" altLang="zh-CN" sz="2400" dirty="0">
                 <a:latin typeface="华文楷体" panose="02010600040101010101" pitchFamily="2" charset="-122"/>
                 <a:ea typeface="华文楷体" panose="02010600040101010101" pitchFamily="2" charset="-122"/>
               </a:rPr>
               <a:t>=SMOOTH(</a:t>
             </a:r>
             <a:r>
-              <a:rPr lang="zh-CN" altLang="en-US" dirty="0">
+              <a:rPr lang="zh-CN" altLang="en-US" sz="2400" dirty="0">
                 <a:latin typeface="华文楷体" panose="02010600040101010101" pitchFamily="2" charset="-122"/>
                 <a:ea typeface="华文楷体" panose="02010600040101010101" pitchFamily="2" charset="-122"/>
               </a:rPr>
               <a:t>交货速率，平均交货时间</a:t>
             </a:r>
             <a:r>
-              <a:rPr lang="en-US" altLang="zh-CN" dirty="0">
+              <a:rPr lang="en-US" altLang="zh-CN" sz="2400" dirty="0">
                 <a:latin typeface="华文楷体" panose="02010600040101010101" pitchFamily="2" charset="-122"/>
                 <a:ea typeface="华文楷体" panose="02010600040101010101" pitchFamily="2" charset="-122"/>
               </a:rPr>
               <a:t>)</a:t>
             </a:r>
-            <a:endParaRPr lang="zh-CN" altLang="en-US" dirty="0">
+            <a:endParaRPr lang="zh-CN" altLang="en-US" sz="2400" dirty="0">
               <a:latin typeface="华文楷体" panose="02010600040101010101" pitchFamily="2" charset="-122"/>
               <a:ea typeface="华文楷体" panose="02010600040101010101" pitchFamily="2" charset="-122"/>
             </a:endParaRPr>
@@ -13214,6 +14115,284 @@
       </p:transition>
     </mc:Fallback>
   </mc:AlternateContent>
+  <p:timing>
+    <p:tnLst>
+      <p:par>
+        <p:cTn id="1" dur="indefinite" restart="never" nodeType="tmRoot">
+          <p:childTnLst>
+            <p:seq concurrent="1" nextAc="seek">
+              <p:cTn id="2" dur="indefinite" nodeType="mainSeq">
+                <p:childTnLst>
+                  <p:par>
+                    <p:cTn id="3" fill="hold">
+                      <p:stCondLst>
+                        <p:cond delay="indefinite"/>
+                      </p:stCondLst>
+                      <p:childTnLst>
+                        <p:par>
+                          <p:cTn id="4" fill="hold">
+                            <p:stCondLst>
+                              <p:cond delay="0"/>
+                            </p:stCondLst>
+                            <p:childTnLst>
+                              <p:par>
+                                <p:cTn id="5" presetID="10" presetClass="entr" presetSubtype="0" fill="hold" grpId="0" nodeType="clickEffect">
+                                  <p:stCondLst>
+                                    <p:cond delay="0"/>
+                                  </p:stCondLst>
+                                  <p:childTnLst>
+                                    <p:set>
+                                      <p:cBhvr>
+                                        <p:cTn id="6" dur="1" fill="hold">
+                                          <p:stCondLst>
+                                            <p:cond delay="0"/>
+                                          </p:stCondLst>
+                                        </p:cTn>
+                                        <p:tgtEl>
+                                          <p:spTgt spid="3">
+                                            <p:txEl>
+                                              <p:pRg st="0" end="0"/>
+                                            </p:txEl>
+                                          </p:spTgt>
+                                        </p:tgtEl>
+                                        <p:attrNameLst>
+                                          <p:attrName>style.visibility</p:attrName>
+                                        </p:attrNameLst>
+                                      </p:cBhvr>
+                                      <p:to>
+                                        <p:strVal val="visible"/>
+                                      </p:to>
+                                    </p:set>
+                                    <p:animEffect transition="in" filter="fade">
+                                      <p:cBhvr>
+                                        <p:cTn id="7" dur="500"/>
+                                        <p:tgtEl>
+                                          <p:spTgt spid="3">
+                                            <p:txEl>
+                                              <p:pRg st="0" end="0"/>
+                                            </p:txEl>
+                                          </p:spTgt>
+                                        </p:tgtEl>
+                                      </p:cBhvr>
+                                    </p:animEffect>
+                                  </p:childTnLst>
+                                </p:cTn>
+                              </p:par>
+                            </p:childTnLst>
+                          </p:cTn>
+                        </p:par>
+                      </p:childTnLst>
+                    </p:cTn>
+                  </p:par>
+                  <p:par>
+                    <p:cTn id="8" fill="hold">
+                      <p:stCondLst>
+                        <p:cond delay="indefinite"/>
+                      </p:stCondLst>
+                      <p:childTnLst>
+                        <p:par>
+                          <p:cTn id="9" fill="hold">
+                            <p:stCondLst>
+                              <p:cond delay="0"/>
+                            </p:stCondLst>
+                            <p:childTnLst>
+                              <p:par>
+                                <p:cTn id="10" presetID="10" presetClass="entr" presetSubtype="0" fill="hold" grpId="0" nodeType="clickEffect">
+                                  <p:stCondLst>
+                                    <p:cond delay="0"/>
+                                  </p:stCondLst>
+                                  <p:childTnLst>
+                                    <p:set>
+                                      <p:cBhvr>
+                                        <p:cTn id="11" dur="1" fill="hold">
+                                          <p:stCondLst>
+                                            <p:cond delay="0"/>
+                                          </p:stCondLst>
+                                        </p:cTn>
+                                        <p:tgtEl>
+                                          <p:spTgt spid="5"/>
+                                        </p:tgtEl>
+                                        <p:attrNameLst>
+                                          <p:attrName>style.visibility</p:attrName>
+                                        </p:attrNameLst>
+                                      </p:cBhvr>
+                                      <p:to>
+                                        <p:strVal val="visible"/>
+                                      </p:to>
+                                    </p:set>
+                                    <p:animEffect transition="in" filter="fade">
+                                      <p:cBhvr>
+                                        <p:cTn id="12" dur="500"/>
+                                        <p:tgtEl>
+                                          <p:spTgt spid="5"/>
+                                        </p:tgtEl>
+                                      </p:cBhvr>
+                                    </p:animEffect>
+                                  </p:childTnLst>
+                                </p:cTn>
+                              </p:par>
+                            </p:childTnLst>
+                          </p:cTn>
+                        </p:par>
+                      </p:childTnLst>
+                    </p:cTn>
+                  </p:par>
+                  <p:par>
+                    <p:cTn id="13" fill="hold">
+                      <p:stCondLst>
+                        <p:cond delay="indefinite"/>
+                      </p:stCondLst>
+                      <p:childTnLst>
+                        <p:par>
+                          <p:cTn id="14" fill="hold">
+                            <p:stCondLst>
+                              <p:cond delay="0"/>
+                            </p:stCondLst>
+                            <p:childTnLst>
+                              <p:par>
+                                <p:cTn id="15" presetID="9" presetClass="entr" presetSubtype="0" fill="hold" nodeType="clickEffect">
+                                  <p:stCondLst>
+                                    <p:cond delay="0"/>
+                                  </p:stCondLst>
+                                  <p:childTnLst>
+                                    <p:set>
+                                      <p:cBhvr>
+                                        <p:cTn id="16" dur="1" fill="hold">
+                                          <p:stCondLst>
+                                            <p:cond delay="0"/>
+                                          </p:stCondLst>
+                                        </p:cTn>
+                                        <p:tgtEl>
+                                          <p:spTgt spid="7"/>
+                                        </p:tgtEl>
+                                        <p:attrNameLst>
+                                          <p:attrName>style.visibility</p:attrName>
+                                        </p:attrNameLst>
+                                      </p:cBhvr>
+                                      <p:to>
+                                        <p:strVal val="visible"/>
+                                      </p:to>
+                                    </p:set>
+                                    <p:animEffect transition="in" filter="dissolve">
+                                      <p:cBhvr>
+                                        <p:cTn id="17" dur="500"/>
+                                        <p:tgtEl>
+                                          <p:spTgt spid="7"/>
+                                        </p:tgtEl>
+                                      </p:cBhvr>
+                                    </p:animEffect>
+                                  </p:childTnLst>
+                                </p:cTn>
+                              </p:par>
+                            </p:childTnLst>
+                          </p:cTn>
+                        </p:par>
+                      </p:childTnLst>
+                    </p:cTn>
+                  </p:par>
+                  <p:par>
+                    <p:cTn id="18" fill="hold">
+                      <p:stCondLst>
+                        <p:cond delay="indefinite"/>
+                      </p:stCondLst>
+                      <p:childTnLst>
+                        <p:par>
+                          <p:cTn id="19" fill="hold">
+                            <p:stCondLst>
+                              <p:cond delay="0"/>
+                            </p:stCondLst>
+                            <p:childTnLst>
+                              <p:par>
+                                <p:cTn id="20" presetID="12" presetClass="entr" presetSubtype="4" fill="hold" grpId="0" nodeType="clickEffect">
+                                  <p:stCondLst>
+                                    <p:cond delay="0"/>
+                                  </p:stCondLst>
+                                  <p:childTnLst>
+                                    <p:set>
+                                      <p:cBhvr>
+                                        <p:cTn id="21" dur="1" fill="hold">
+                                          <p:stCondLst>
+                                            <p:cond delay="0"/>
+                                          </p:stCondLst>
+                                        </p:cTn>
+                                        <p:tgtEl>
+                                          <p:spTgt spid="6"/>
+                                        </p:tgtEl>
+                                        <p:attrNameLst>
+                                          <p:attrName>style.visibility</p:attrName>
+                                        </p:attrNameLst>
+                                      </p:cBhvr>
+                                      <p:to>
+                                        <p:strVal val="visible"/>
+                                      </p:to>
+                                    </p:set>
+                                    <p:anim calcmode="lin" valueType="num">
+                                      <p:cBhvr additive="base">
+                                        <p:cTn id="22" dur="500"/>
+                                        <p:tgtEl>
+                                          <p:spTgt spid="6"/>
+                                        </p:tgtEl>
+                                        <p:attrNameLst>
+                                          <p:attrName>ppt_y</p:attrName>
+                                        </p:attrNameLst>
+                                      </p:cBhvr>
+                                      <p:tavLst>
+                                        <p:tav tm="0">
+                                          <p:val>
+                                            <p:strVal val="#ppt_y+#ppt_h*1.125000"/>
+                                          </p:val>
+                                        </p:tav>
+                                        <p:tav tm="100000">
+                                          <p:val>
+                                            <p:strVal val="#ppt_y"/>
+                                          </p:val>
+                                        </p:tav>
+                                      </p:tavLst>
+                                    </p:anim>
+                                    <p:animEffect transition="in" filter="wipe(up)">
+                                      <p:cBhvr>
+                                        <p:cTn id="23" dur="500"/>
+                                        <p:tgtEl>
+                                          <p:spTgt spid="6"/>
+                                        </p:tgtEl>
+                                      </p:cBhvr>
+                                    </p:animEffect>
+                                  </p:childTnLst>
+                                </p:cTn>
+                              </p:par>
+                            </p:childTnLst>
+                          </p:cTn>
+                        </p:par>
+                      </p:childTnLst>
+                    </p:cTn>
+                  </p:par>
+                </p:childTnLst>
+              </p:cTn>
+              <p:prevCondLst>
+                <p:cond evt="onPrev" delay="0">
+                  <p:tgtEl>
+                    <p:sldTgt/>
+                  </p:tgtEl>
+                </p:cond>
+              </p:prevCondLst>
+              <p:nextCondLst>
+                <p:cond evt="onNext" delay="0">
+                  <p:tgtEl>
+                    <p:sldTgt/>
+                  </p:tgtEl>
+                </p:cond>
+              </p:nextCondLst>
+            </p:seq>
+          </p:childTnLst>
+        </p:cTn>
+      </p:par>
+    </p:tnLst>
+    <p:bldLst>
+      <p:bldP spid="3" grpId="0" build="p"/>
+      <p:bldP spid="5" grpId="0"/>
+      <p:bldP spid="6" grpId="0"/>
+    </p:bldLst>
+  </p:timing>
 </p:sld>
 </file>
 
@@ -13246,8 +14425,8 @@
         </p:nvSpPr>
         <p:spPr>
           <a:xfrm>
-            <a:off x="1629916" y="908720"/>
-            <a:ext cx="5653104" cy="4572000"/>
+            <a:off x="1701924" y="1403648"/>
+            <a:ext cx="5616624" cy="2646040"/>
           </a:xfrm>
         </p:spPr>
         <p:txBody>
@@ -13322,8 +14501,8 @@
         </p:nvSpPr>
         <p:spPr>
           <a:xfrm>
-            <a:off x="1989956" y="2733055"/>
-            <a:ext cx="2744662" cy="923330"/>
+            <a:off x="6598468" y="4797152"/>
+            <a:ext cx="3599062" cy="461665"/>
           </a:xfrm>
           <a:prstGeom prst="rect">
             <a:avLst/>
@@ -13337,37 +14516,15 @@
           <a:lstStyle/>
           <a:p>
             <a:r>
-              <a:rPr lang="zh-CN" altLang="en-US" dirty="0"/>
-              <a:t>速率</a:t>
-            </a:r>
-            <a:r>
-              <a:rPr lang="en-US" altLang="zh-CN" dirty="0"/>
+              <a:rPr lang="zh-CN" altLang="en-US" sz="2400" dirty="0"/>
+              <a:t>产品产量</a:t>
+            </a:r>
+            <a:r>
+              <a:rPr lang="en-US" altLang="zh-CN" sz="2400" dirty="0"/>
               <a:t>=</a:t>
             </a:r>
             <a:r>
-              <a:rPr lang="zh-CN" altLang="en-US" dirty="0"/>
-              <a:t>资源*生产效率</a:t>
-            </a:r>
-            <a:endParaRPr lang="en-US" altLang="zh-CN" dirty="0"/>
-          </a:p>
-          <a:p>
-            <a:r>
-              <a:rPr lang="zh-CN" altLang="en-US" dirty="0"/>
-              <a:t>如：</a:t>
-            </a:r>
-            <a:endParaRPr lang="en-US" altLang="zh-CN" dirty="0"/>
-          </a:p>
-          <a:p>
-            <a:r>
-              <a:rPr lang="zh-CN" altLang="en-US" dirty="0"/>
-              <a:t>产品产量</a:t>
-            </a:r>
-            <a:r>
-              <a:rPr lang="en-US" altLang="zh-CN" dirty="0"/>
-              <a:t>=</a:t>
-            </a:r>
-            <a:r>
-              <a:rPr lang="zh-CN" altLang="en-US" dirty="0"/>
+              <a:rPr lang="zh-CN" altLang="en-US" sz="2400" dirty="0"/>
               <a:t>劳动力*生产率</a:t>
             </a:r>
           </a:p>
@@ -13395,6 +14552,259 @@
       </p:transition>
     </mc:Fallback>
   </mc:AlternateContent>
+  <p:timing>
+    <p:tnLst>
+      <p:par>
+        <p:cTn id="1" dur="indefinite" restart="never" nodeType="tmRoot">
+          <p:childTnLst>
+            <p:seq concurrent="1" nextAc="seek">
+              <p:cTn id="2" dur="indefinite" nodeType="mainSeq">
+                <p:childTnLst>
+                  <p:par>
+                    <p:cTn id="3" fill="hold">
+                      <p:stCondLst>
+                        <p:cond delay="indefinite"/>
+                      </p:stCondLst>
+                      <p:childTnLst>
+                        <p:par>
+                          <p:cTn id="4" fill="hold">
+                            <p:stCondLst>
+                              <p:cond delay="0"/>
+                            </p:stCondLst>
+                            <p:childTnLst>
+                              <p:par>
+                                <p:cTn id="5" presetID="10" presetClass="entr" presetSubtype="0" fill="hold" grpId="0" nodeType="clickEffect">
+                                  <p:stCondLst>
+                                    <p:cond delay="0"/>
+                                  </p:stCondLst>
+                                  <p:childTnLst>
+                                    <p:set>
+                                      <p:cBhvr>
+                                        <p:cTn id="6" dur="1" fill="hold">
+                                          <p:stCondLst>
+                                            <p:cond delay="0"/>
+                                          </p:stCondLst>
+                                        </p:cTn>
+                                        <p:tgtEl>
+                                          <p:spTgt spid="3">
+                                            <p:txEl>
+                                              <p:pRg st="0" end="0"/>
+                                            </p:txEl>
+                                          </p:spTgt>
+                                        </p:tgtEl>
+                                        <p:attrNameLst>
+                                          <p:attrName>style.visibility</p:attrName>
+                                        </p:attrNameLst>
+                                      </p:cBhvr>
+                                      <p:to>
+                                        <p:strVal val="visible"/>
+                                      </p:to>
+                                    </p:set>
+                                    <p:animEffect transition="in" filter="fade">
+                                      <p:cBhvr>
+                                        <p:cTn id="7" dur="500"/>
+                                        <p:tgtEl>
+                                          <p:spTgt spid="3">
+                                            <p:txEl>
+                                              <p:pRg st="0" end="0"/>
+                                            </p:txEl>
+                                          </p:spTgt>
+                                        </p:tgtEl>
+                                      </p:cBhvr>
+                                    </p:animEffect>
+                                  </p:childTnLst>
+                                </p:cTn>
+                              </p:par>
+                            </p:childTnLst>
+                          </p:cTn>
+                        </p:par>
+                      </p:childTnLst>
+                    </p:cTn>
+                  </p:par>
+                  <p:par>
+                    <p:cTn id="8" fill="hold">
+                      <p:stCondLst>
+                        <p:cond delay="indefinite"/>
+                      </p:stCondLst>
+                      <p:childTnLst>
+                        <p:par>
+                          <p:cTn id="9" fill="hold">
+                            <p:stCondLst>
+                              <p:cond delay="0"/>
+                            </p:stCondLst>
+                            <p:childTnLst>
+                              <p:par>
+                                <p:cTn id="10" presetID="10" presetClass="entr" presetSubtype="0" fill="hold" grpId="0" nodeType="clickEffect">
+                                  <p:stCondLst>
+                                    <p:cond delay="0"/>
+                                  </p:stCondLst>
+                                  <p:childTnLst>
+                                    <p:set>
+                                      <p:cBhvr>
+                                        <p:cTn id="11" dur="1" fill="hold">
+                                          <p:stCondLst>
+                                            <p:cond delay="0"/>
+                                          </p:stCondLst>
+                                        </p:cTn>
+                                        <p:tgtEl>
+                                          <p:spTgt spid="3">
+                                            <p:txEl>
+                                              <p:pRg st="1" end="1"/>
+                                            </p:txEl>
+                                          </p:spTgt>
+                                        </p:tgtEl>
+                                        <p:attrNameLst>
+                                          <p:attrName>style.visibility</p:attrName>
+                                        </p:attrNameLst>
+                                      </p:cBhvr>
+                                      <p:to>
+                                        <p:strVal val="visible"/>
+                                      </p:to>
+                                    </p:set>
+                                    <p:animEffect transition="in" filter="fade">
+                                      <p:cBhvr>
+                                        <p:cTn id="12" dur="500"/>
+                                        <p:tgtEl>
+                                          <p:spTgt spid="3">
+                                            <p:txEl>
+                                              <p:pRg st="1" end="1"/>
+                                            </p:txEl>
+                                          </p:spTgt>
+                                        </p:tgtEl>
+                                      </p:cBhvr>
+                                    </p:animEffect>
+                                  </p:childTnLst>
+                                </p:cTn>
+                              </p:par>
+                            </p:childTnLst>
+                          </p:cTn>
+                        </p:par>
+                      </p:childTnLst>
+                    </p:cTn>
+                  </p:par>
+                  <p:par>
+                    <p:cTn id="13" fill="hold">
+                      <p:stCondLst>
+                        <p:cond delay="indefinite"/>
+                      </p:stCondLst>
+                      <p:childTnLst>
+                        <p:par>
+                          <p:cTn id="14" fill="hold">
+                            <p:stCondLst>
+                              <p:cond delay="0"/>
+                            </p:stCondLst>
+                            <p:childTnLst>
+                              <p:par>
+                                <p:cTn id="15" presetID="9" presetClass="entr" presetSubtype="0" fill="hold" nodeType="clickEffect">
+                                  <p:stCondLst>
+                                    <p:cond delay="0"/>
+                                  </p:stCondLst>
+                                  <p:childTnLst>
+                                    <p:set>
+                                      <p:cBhvr>
+                                        <p:cTn id="16" dur="1" fill="hold">
+                                          <p:stCondLst>
+                                            <p:cond delay="0"/>
+                                          </p:stCondLst>
+                                        </p:cTn>
+                                        <p:tgtEl>
+                                          <p:spTgt spid="4"/>
+                                        </p:tgtEl>
+                                        <p:attrNameLst>
+                                          <p:attrName>style.visibility</p:attrName>
+                                        </p:attrNameLst>
+                                      </p:cBhvr>
+                                      <p:to>
+                                        <p:strVal val="visible"/>
+                                      </p:to>
+                                    </p:set>
+                                    <p:animEffect transition="in" filter="dissolve">
+                                      <p:cBhvr>
+                                        <p:cTn id="17" dur="500"/>
+                                        <p:tgtEl>
+                                          <p:spTgt spid="4"/>
+                                        </p:tgtEl>
+                                      </p:cBhvr>
+                                    </p:animEffect>
+                                  </p:childTnLst>
+                                </p:cTn>
+                              </p:par>
+                            </p:childTnLst>
+                          </p:cTn>
+                        </p:par>
+                        <p:par>
+                          <p:cTn id="18" fill="hold">
+                            <p:stCondLst>
+                              <p:cond delay="500"/>
+                            </p:stCondLst>
+                            <p:childTnLst>
+                              <p:par>
+                                <p:cTn id="19" presetID="10" presetClass="entr" presetSubtype="0" fill="hold" grpId="0" nodeType="afterEffect">
+                                  <p:stCondLst>
+                                    <p:cond delay="0"/>
+                                  </p:stCondLst>
+                                  <p:childTnLst>
+                                    <p:set>
+                                      <p:cBhvr>
+                                        <p:cTn id="20" dur="1" fill="hold">
+                                          <p:stCondLst>
+                                            <p:cond delay="0"/>
+                                          </p:stCondLst>
+                                        </p:cTn>
+                                        <p:tgtEl>
+                                          <p:spTgt spid="5"/>
+                                        </p:tgtEl>
+                                        <p:attrNameLst>
+                                          <p:attrName>style.visibility</p:attrName>
+                                        </p:attrNameLst>
+                                      </p:cBhvr>
+                                      <p:to>
+                                        <p:strVal val="visible"/>
+                                      </p:to>
+                                    </p:set>
+                                    <p:animEffect transition="in" filter="fade">
+                                      <p:cBhvr>
+                                        <p:cTn id="21" dur="500"/>
+                                        <p:tgtEl>
+                                          <p:spTgt spid="5"/>
+                                        </p:tgtEl>
+                                      </p:cBhvr>
+                                    </p:animEffect>
+                                  </p:childTnLst>
+                                </p:cTn>
+                              </p:par>
+                            </p:childTnLst>
+                          </p:cTn>
+                        </p:par>
+                      </p:childTnLst>
+                    </p:cTn>
+                  </p:par>
+                </p:childTnLst>
+              </p:cTn>
+              <p:prevCondLst>
+                <p:cond evt="onPrev" delay="0">
+                  <p:tgtEl>
+                    <p:sldTgt/>
+                  </p:tgtEl>
+                </p:cond>
+              </p:prevCondLst>
+              <p:nextCondLst>
+                <p:cond evt="onNext" delay="0">
+                  <p:tgtEl>
+                    <p:sldTgt/>
+                  </p:tgtEl>
+                </p:cond>
+              </p:nextCondLst>
+            </p:seq>
+          </p:childTnLst>
+        </p:cTn>
+      </p:par>
+    </p:tnLst>
+    <p:bldLst>
+      <p:bldP spid="3" grpId="0" build="p"/>
+      <p:bldP spid="5" grpId="0"/>
+    </p:bldLst>
+  </p:timing>
 </p:sld>
 </file>
 
@@ -13993,17 +15403,35 @@
 
 <file path=customXml/item1.xml><?xml version="1.0" encoding="utf-8"?>
 <Control xmlns="http://schemas.microsoft.com/VisualStudio/2011/storyboarding/control">
-  <Id Name="System.Storyboarding.Common.TextInput" Revision="1" Stencil="System.Storyboarding.Common" StencilVersion="0.1"/>
+  <Id Name="System.Storyboarding.WindowsApps.WindowsAppsListBox" Revision="1" Stencil="System.Storyboarding.WindowsApps" StencilVersion="0.1"/>
 </Control>
 </file>
 
 <file path=customXml/item2.xml><?xml version="1.0" encoding="utf-8"?>
 <Control xmlns="http://schemas.microsoft.com/VisualStudio/2011/storyboarding/control">
-  <Id Name="System.Storyboarding.WindowsApps.WindowsAppsListBox" Revision="1" Stencil="System.Storyboarding.WindowsApps" StencilVersion="0.1"/>
+  <Id Name="System.Storyboarding.Common.TextInput" Revision="1" Stencil="System.Storyboarding.Common" StencilVersion="0.1"/>
 </Control>
 </file>
 
 <file path=customXml/item3.xml><?xml version="1.0" encoding="utf-8"?>
+<Control xmlns="http://schemas.microsoft.com/VisualStudio/2011/storyboarding/control">
+  <Id Name="System.Storyboarding.WindowsApps.WindowsAppsProgressRing" Revision="1" Stencil="System.Storyboarding.WindowsApps" StencilVersion="0.1"/>
+</Control>
+</file>
+
+<file path=customXml/item4.xml><?xml version="1.0" encoding="utf-8"?>
+<Control xmlns="http://schemas.microsoft.com/VisualStudio/2011/storyboarding/control">
+  <Id Name="System.Storyboarding.Annotation.StickyNote" Revision="1" Stencil="System.Storyboarding.Annotation" StencilVersion="0.1"/>
+</Control>
+</file>
+
+<file path=customXml/item5.xml><?xml version="1.0" encoding="utf-8"?>
+<Control xmlns="http://schemas.microsoft.com/VisualStudio/2011/storyboarding/control">
+  <Id Name="System.Storyboarding.Common.DragSelection" Revision="1" Stencil="System.Storyboarding.Common" StencilVersion="0.1"/>
+</Control>
+</file>
+
+<file path=customXml/item6.xml><?xml version="1.0" encoding="utf-8"?>
 <p:properties xmlns:p="http://schemas.microsoft.com/office/2006/metadata/properties" xmlns:xsi="http://www.w3.org/2001/XMLSchema-instance" xmlns:pc="http://schemas.microsoft.com/office/infopath/2007/PartnerControls">
   <documentManagement>
     <_dlc_DocId xmlns="b4ebf394-daf6-497a-96c5-a2f8c10b38cf">TT6HZDVJM2HV-178-321</_dlc_DocId>
@@ -14015,24 +15443,6 @@
 </p:properties>
 </file>
 
-<file path=customXml/item4.xml><?xml version="1.0" encoding="utf-8"?>
-<Control xmlns="http://schemas.microsoft.com/VisualStudio/2011/storyboarding/control">
-  <Id Name="System.Storyboarding.Common.DragSelection" Revision="1" Stencil="System.Storyboarding.Common" StencilVersion="0.1"/>
-</Control>
-</file>
-
-<file path=customXml/item5.xml><?xml version="1.0" encoding="utf-8"?>
-<Control xmlns="http://schemas.microsoft.com/VisualStudio/2011/storyboarding/control">
-  <Id Name="System.Storyboarding.Annotation.StickyNote" Revision="1" Stencil="System.Storyboarding.Annotation" StencilVersion="0.1"/>
-</Control>
-</file>
-
-<file path=customXml/item6.xml><?xml version="1.0" encoding="utf-8"?>
-<Control xmlns="http://schemas.microsoft.com/VisualStudio/2011/storyboarding/control">
-  <Id Name="System.Storyboarding.WindowsApps.WindowsAppsProgressRing" Revision="1" Stencil="System.Storyboarding.WindowsApps" StencilVersion="0.1"/>
-</Control>
-</file>
-
 <file path=customXml/item7.xml><?xml version="1.0" encoding="utf-8"?>
 <Control xmlns="http://schemas.microsoft.com/VisualStudio/2011/storyboarding/control">
   <Id Name="5e505f8e-b0aa-429a-bb4c-92ab0e8a8ee6" RevisionId="d2083f08-ba4f-4330-87aa-e4d23a4443d7" Stencil="172d6d98-e5c9-42e9-a209-79f7a94bbd38" StencilRevisionId="00000000-0000-0000-0000-000000000000" StencilVersion="0.0"/>
@@ -14040,6 +15450,14 @@
 </file>
 
 <file path=customXml/itemProps1.xml><?xml version="1.0" encoding="utf-8"?>
+<ds:datastoreItem xmlns:ds="http://schemas.openxmlformats.org/officeDocument/2006/customXml" ds:itemID="{925928FA-66B2-4992-9AF7-6AAB34665E06}">
+  <ds:schemaRefs>
+    <ds:schemaRef ds:uri="http://schemas.microsoft.com/VisualStudio/2011/storyboarding/control"/>
+  </ds:schemaRefs>
+</ds:datastoreItem>
+</file>
+
+<file path=customXml/itemProps2.xml><?xml version="1.0" encoding="utf-8"?>
 <ds:datastoreItem xmlns:ds="http://schemas.openxmlformats.org/officeDocument/2006/customXml" ds:itemID="{195C3A57-25C5-4CAC-A396-8711CE839175}">
   <ds:schemaRefs>
     <ds:schemaRef ds:uri="http://schemas.microsoft.com/VisualStudio/2011/storyboarding/control"/>
@@ -14047,25 +15465,23 @@
 </ds:datastoreItem>
 </file>
 
-<file path=customXml/itemProps2.xml><?xml version="1.0" encoding="utf-8"?>
-<ds:datastoreItem xmlns:ds="http://schemas.openxmlformats.org/officeDocument/2006/customXml" ds:itemID="{925928FA-66B2-4992-9AF7-6AAB34665E06}">
+<file path=customXml/itemProps3.xml><?xml version="1.0" encoding="utf-8"?>
+<ds:datastoreItem xmlns:ds="http://schemas.openxmlformats.org/officeDocument/2006/customXml" ds:itemID="{EE994FE8-9D1B-4C75-9803-F4D3D8088B5B}">
   <ds:schemaRefs>
     <ds:schemaRef ds:uri="http://schemas.microsoft.com/VisualStudio/2011/storyboarding/control"/>
   </ds:schemaRefs>
 </ds:datastoreItem>
 </file>
 
-<file path=customXml/itemProps3.xml><?xml version="1.0" encoding="utf-8"?>
-<ds:datastoreItem xmlns:ds="http://schemas.openxmlformats.org/officeDocument/2006/customXml" ds:itemID="{1322E1B6-B69B-4B1E-9F64-FFB1E4A65691}">
+<file path=customXml/itemProps4.xml><?xml version="1.0" encoding="utf-8"?>
+<ds:datastoreItem xmlns:ds="http://schemas.openxmlformats.org/officeDocument/2006/customXml" ds:itemID="{35CD12A2-2187-402A-B9D9-EF68624DB0B9}">
   <ds:schemaRefs>
-    <ds:schemaRef ds:uri="http://schemas.microsoft.com/office/2006/metadata/properties"/>
-    <ds:schemaRef ds:uri="http://schemas.microsoft.com/office/infopath/2007/PartnerControls"/>
-    <ds:schemaRef ds:uri="b4ebf394-daf6-497a-96c5-a2f8c10b38cf"/>
+    <ds:schemaRef ds:uri="http://schemas.microsoft.com/VisualStudio/2011/storyboarding/control"/>
   </ds:schemaRefs>
 </ds:datastoreItem>
 </file>
 
-<file path=customXml/itemProps4.xml><?xml version="1.0" encoding="utf-8"?>
+<file path=customXml/itemProps5.xml><?xml version="1.0" encoding="utf-8"?>
 <ds:datastoreItem xmlns:ds="http://schemas.openxmlformats.org/officeDocument/2006/customXml" ds:itemID="{74F50758-6994-47AF-ADB4-84074E43B95D}">
   <ds:schemaRefs>
     <ds:schemaRef ds:uri="http://schemas.microsoft.com/VisualStudio/2011/storyboarding/control"/>
@@ -14073,18 +15489,12 @@
 </ds:datastoreItem>
 </file>
 
-<file path=customXml/itemProps5.xml><?xml version="1.0" encoding="utf-8"?>
-<ds:datastoreItem xmlns:ds="http://schemas.openxmlformats.org/officeDocument/2006/customXml" ds:itemID="{35CD12A2-2187-402A-B9D9-EF68624DB0B9}">
+<file path=customXml/itemProps6.xml><?xml version="1.0" encoding="utf-8"?>
+<ds:datastoreItem xmlns:ds="http://schemas.openxmlformats.org/officeDocument/2006/customXml" ds:itemID="{1322E1B6-B69B-4B1E-9F64-FFB1E4A65691}">
   <ds:schemaRefs>
-    <ds:schemaRef ds:uri="http://schemas.microsoft.com/VisualStudio/2011/storyboarding/control"/>
-  </ds:schemaRefs>
-</ds:datastoreItem>
-</file>
-
-<file path=customXml/itemProps6.xml><?xml version="1.0" encoding="utf-8"?>
-<ds:datastoreItem xmlns:ds="http://schemas.openxmlformats.org/officeDocument/2006/customXml" ds:itemID="{EE994FE8-9D1B-4C75-9803-F4D3D8088B5B}">
-  <ds:schemaRefs>
-    <ds:schemaRef ds:uri="http://schemas.microsoft.com/VisualStudio/2011/storyboarding/control"/>
+    <ds:schemaRef ds:uri="http://schemas.microsoft.com/office/2006/metadata/properties"/>
+    <ds:schemaRef ds:uri="http://schemas.microsoft.com/office/infopath/2007/PartnerControls"/>
+    <ds:schemaRef ds:uri="b4ebf394-daf6-497a-96c5-a2f8c10b38cf"/>
   </ds:schemaRefs>
 </ds:datastoreItem>
 </file>
